--- a/anpocs/Apresentação1.pptx
+++ b/anpocs/Apresentação1.pptx
@@ -7,6 +7,8 @@
   <p:sldIdLst>
     <p:sldId id="256" r:id="rId2"/>
     <p:sldId id="257" r:id="rId3"/>
+    <p:sldId id="258" r:id="rId4"/>
+    <p:sldId id="259" r:id="rId5"/>
   </p:sldIdLst>
   <p:sldSz cx="12192000" cy="6858000"/>
   <p:notesSz cx="6858000" cy="9144000"/>
@@ -105,6 +107,11 @@
       </a:defRPr>
     </a:lvl9pPr>
   </p:defaultTextStyle>
+  <p:extLst>
+    <p:ext uri="{EFAFB233-063F-42B5-8137-9DF3F51BA10A}">
+      <p15:sldGuideLst xmlns:p15="http://schemas.microsoft.com/office/powerpoint/2012/main"/>
+    </p:ext>
+  </p:extLst>
 </p:presentation>
 </file>
 
@@ -239,7 +246,7 @@
           <a:p>
             <a:fld id="{8D2039E2-9832-4EF2-AB83-A0A9C622AEE1}" type="datetimeFigureOut">
               <a:rPr lang="pt-BR" smtClean="0"/>
-              <a:t>16/10/2023</a:t>
+              <a:t>08/02/2024</a:t>
             </a:fld>
             <a:endParaRPr lang="pt-BR"/>
           </a:p>
@@ -409,7 +416,7 @@
           <a:p>
             <a:fld id="{8D2039E2-9832-4EF2-AB83-A0A9C622AEE1}" type="datetimeFigureOut">
               <a:rPr lang="pt-BR" smtClean="0"/>
-              <a:t>16/10/2023</a:t>
+              <a:t>08/02/2024</a:t>
             </a:fld>
             <a:endParaRPr lang="pt-BR"/>
           </a:p>
@@ -589,7 +596,7 @@
           <a:p>
             <a:fld id="{8D2039E2-9832-4EF2-AB83-A0A9C622AEE1}" type="datetimeFigureOut">
               <a:rPr lang="pt-BR" smtClean="0"/>
-              <a:t>16/10/2023</a:t>
+              <a:t>08/02/2024</a:t>
             </a:fld>
             <a:endParaRPr lang="pt-BR"/>
           </a:p>
@@ -759,7 +766,7 @@
           <a:p>
             <a:fld id="{8D2039E2-9832-4EF2-AB83-A0A9C622AEE1}" type="datetimeFigureOut">
               <a:rPr lang="pt-BR" smtClean="0"/>
-              <a:t>16/10/2023</a:t>
+              <a:t>08/02/2024</a:t>
             </a:fld>
             <a:endParaRPr lang="pt-BR"/>
           </a:p>
@@ -1005,7 +1012,7 @@
           <a:p>
             <a:fld id="{8D2039E2-9832-4EF2-AB83-A0A9C622AEE1}" type="datetimeFigureOut">
               <a:rPr lang="pt-BR" smtClean="0"/>
-              <a:t>16/10/2023</a:t>
+              <a:t>08/02/2024</a:t>
             </a:fld>
             <a:endParaRPr lang="pt-BR"/>
           </a:p>
@@ -1237,7 +1244,7 @@
           <a:p>
             <a:fld id="{8D2039E2-9832-4EF2-AB83-A0A9C622AEE1}" type="datetimeFigureOut">
               <a:rPr lang="pt-BR" smtClean="0"/>
-              <a:t>16/10/2023</a:t>
+              <a:t>08/02/2024</a:t>
             </a:fld>
             <a:endParaRPr lang="pt-BR"/>
           </a:p>
@@ -1604,7 +1611,7 @@
           <a:p>
             <a:fld id="{8D2039E2-9832-4EF2-AB83-A0A9C622AEE1}" type="datetimeFigureOut">
               <a:rPr lang="pt-BR" smtClean="0"/>
-              <a:t>16/10/2023</a:t>
+              <a:t>08/02/2024</a:t>
             </a:fld>
             <a:endParaRPr lang="pt-BR"/>
           </a:p>
@@ -1722,7 +1729,7 @@
           <a:p>
             <a:fld id="{8D2039E2-9832-4EF2-AB83-A0A9C622AEE1}" type="datetimeFigureOut">
               <a:rPr lang="pt-BR" smtClean="0"/>
-              <a:t>16/10/2023</a:t>
+              <a:t>08/02/2024</a:t>
             </a:fld>
             <a:endParaRPr lang="pt-BR"/>
           </a:p>
@@ -1817,7 +1824,7 @@
           <a:p>
             <a:fld id="{8D2039E2-9832-4EF2-AB83-A0A9C622AEE1}" type="datetimeFigureOut">
               <a:rPr lang="pt-BR" smtClean="0"/>
-              <a:t>16/10/2023</a:t>
+              <a:t>08/02/2024</a:t>
             </a:fld>
             <a:endParaRPr lang="pt-BR"/>
           </a:p>
@@ -2094,7 +2101,7 @@
           <a:p>
             <a:fld id="{8D2039E2-9832-4EF2-AB83-A0A9C622AEE1}" type="datetimeFigureOut">
               <a:rPr lang="pt-BR" smtClean="0"/>
-              <a:t>16/10/2023</a:t>
+              <a:t>08/02/2024</a:t>
             </a:fld>
             <a:endParaRPr lang="pt-BR"/>
           </a:p>
@@ -2347,7 +2354,7 @@
           <a:p>
             <a:fld id="{8D2039E2-9832-4EF2-AB83-A0A9C622AEE1}" type="datetimeFigureOut">
               <a:rPr lang="pt-BR" smtClean="0"/>
-              <a:t>16/10/2023</a:t>
+              <a:t>08/02/2024</a:t>
             </a:fld>
             <a:endParaRPr lang="pt-BR"/>
           </a:p>
@@ -2560,7 +2567,7 @@
           <a:p>
             <a:fld id="{8D2039E2-9832-4EF2-AB83-A0A9C622AEE1}" type="datetimeFigureOut">
               <a:rPr lang="pt-BR" smtClean="0"/>
-              <a:t>16/10/2023</a:t>
+              <a:t>08/02/2024</a:t>
             </a:fld>
             <a:endParaRPr lang="pt-BR"/>
           </a:p>
@@ -6350,6 +6357,3462 @@
 </p:sld>
 </file>
 
+<file path=ppt/slides/slide3.xml><?xml version="1.0" encoding="utf-8"?>
+<p:sld xmlns:a="http://schemas.openxmlformats.org/drawingml/2006/main" xmlns:r="http://schemas.openxmlformats.org/officeDocument/2006/relationships" xmlns:p="http://schemas.openxmlformats.org/presentationml/2006/main">
+  <p:cSld>
+    <p:spTree>
+      <p:nvGrpSpPr>
+        <p:cNvPr id="1" name=""/>
+        <p:cNvGrpSpPr/>
+        <p:nvPr/>
+      </p:nvGrpSpPr>
+      <p:grpSpPr>
+        <a:xfrm>
+          <a:off x="0" y="0"/>
+          <a:ext cx="0" cy="0"/>
+          <a:chOff x="0" y="0"/>
+          <a:chExt cx="0" cy="0"/>
+        </a:xfrm>
+      </p:grpSpPr>
+      <p:grpSp>
+        <p:nvGrpSpPr>
+          <p:cNvPr id="12" name="Agrupar 11"/>
+          <p:cNvGrpSpPr/>
+          <p:nvPr/>
+        </p:nvGrpSpPr>
+        <p:grpSpPr>
+          <a:xfrm>
+            <a:off x="4591050" y="400050"/>
+            <a:ext cx="6715125" cy="6246930"/>
+            <a:chOff x="4591050" y="400050"/>
+            <a:chExt cx="6715125" cy="6246930"/>
+          </a:xfrm>
+        </p:grpSpPr>
+        <p:sp>
+          <p:nvSpPr>
+            <p:cNvPr id="11" name="Retângulo 10"/>
+            <p:cNvSpPr/>
+            <p:nvPr/>
+          </p:nvSpPr>
+          <p:spPr>
+            <a:xfrm>
+              <a:off x="4591050" y="400050"/>
+              <a:ext cx="6715125" cy="6246930"/>
+            </a:xfrm>
+            <a:prstGeom prst="rect">
+              <a:avLst/>
+            </a:prstGeom>
+            <a:solidFill>
+              <a:schemeClr val="bg1"/>
+            </a:solidFill>
+            <a:ln>
+              <a:noFill/>
+            </a:ln>
+          </p:spPr>
+          <p:style>
+            <a:lnRef idx="2">
+              <a:schemeClr val="accent1">
+                <a:shade val="50000"/>
+              </a:schemeClr>
+            </a:lnRef>
+            <a:fillRef idx="1">
+              <a:schemeClr val="accent1"/>
+            </a:fillRef>
+            <a:effectRef idx="0">
+              <a:schemeClr val="accent1"/>
+            </a:effectRef>
+            <a:fontRef idx="minor">
+              <a:schemeClr val="lt1"/>
+            </a:fontRef>
+          </p:style>
+          <p:txBody>
+            <a:bodyPr rtlCol="0" anchor="ctr"/>
+            <a:lstStyle/>
+            <a:p>
+              <a:pPr algn="ctr"/>
+              <a:endParaRPr lang="pt-BR"/>
+            </a:p>
+          </p:txBody>
+        </p:sp>
+        <p:grpSp>
+          <p:nvGrpSpPr>
+            <p:cNvPr id="9" name="Agrupar 8"/>
+            <p:cNvGrpSpPr/>
+            <p:nvPr/>
+          </p:nvGrpSpPr>
+          <p:grpSpPr>
+            <a:xfrm>
+              <a:off x="4923292" y="529632"/>
+              <a:ext cx="6246795" cy="6117348"/>
+              <a:chOff x="4923292" y="529632"/>
+              <a:chExt cx="6246795" cy="6117348"/>
+            </a:xfrm>
+          </p:grpSpPr>
+          <p:pic>
+            <p:nvPicPr>
+              <p:cNvPr id="8" name="Imagem 7"/>
+              <p:cNvPicPr>
+                <a:picLocks noChangeAspect="1"/>
+              </p:cNvPicPr>
+              <p:nvPr/>
+            </p:nvPicPr>
+            <p:blipFill>
+              <a:blip r:embed="rId2" cstate="print">
+                <a:extLst>
+                  <a:ext uri="{28A0092B-C50C-407E-A947-70E740481C1C}">
+                    <a14:useLocalDpi xmlns:a14="http://schemas.microsoft.com/office/drawing/2010/main" val="0"/>
+                  </a:ext>
+                </a:extLst>
+              </a:blip>
+              <a:stretch>
+                <a:fillRect/>
+              </a:stretch>
+            </p:blipFill>
+            <p:spPr>
+              <a:xfrm>
+                <a:off x="5052739" y="529632"/>
+                <a:ext cx="6117348" cy="6117348"/>
+              </a:xfrm>
+              <a:prstGeom prst="rect">
+                <a:avLst/>
+              </a:prstGeom>
+            </p:spPr>
+          </p:pic>
+          <p:cxnSp>
+            <p:nvCxnSpPr>
+              <p:cNvPr id="10" name="Conector reto 9"/>
+              <p:cNvCxnSpPr/>
+              <p:nvPr/>
+            </p:nvCxnSpPr>
+            <p:spPr>
+              <a:xfrm flipH="1">
+                <a:off x="5061479" y="1295486"/>
+                <a:ext cx="1697832" cy="59"/>
+              </a:xfrm>
+              <a:prstGeom prst="line">
+                <a:avLst/>
+              </a:prstGeom>
+              <a:ln>
+                <a:solidFill>
+                  <a:schemeClr val="bg1">
+                    <a:lumMod val="50000"/>
+                  </a:schemeClr>
+                </a:solidFill>
+              </a:ln>
+            </p:spPr>
+            <p:style>
+              <a:lnRef idx="1">
+                <a:schemeClr val="accent1"/>
+              </a:lnRef>
+              <a:fillRef idx="0">
+                <a:schemeClr val="accent1"/>
+              </a:fillRef>
+              <a:effectRef idx="0">
+                <a:schemeClr val="accent1"/>
+              </a:effectRef>
+              <a:fontRef idx="minor">
+                <a:schemeClr val="tx1"/>
+              </a:fontRef>
+            </p:style>
+          </p:cxnSp>
+          <p:cxnSp>
+            <p:nvCxnSpPr>
+              <p:cNvPr id="16" name="Conector reto 15"/>
+              <p:cNvCxnSpPr/>
+              <p:nvPr/>
+            </p:nvCxnSpPr>
+            <p:spPr>
+              <a:xfrm flipH="1">
+                <a:off x="5052739" y="2182602"/>
+                <a:ext cx="1697832" cy="59"/>
+              </a:xfrm>
+              <a:prstGeom prst="line">
+                <a:avLst/>
+              </a:prstGeom>
+              <a:ln>
+                <a:solidFill>
+                  <a:schemeClr val="bg1">
+                    <a:lumMod val="50000"/>
+                  </a:schemeClr>
+                </a:solidFill>
+              </a:ln>
+            </p:spPr>
+            <p:style>
+              <a:lnRef idx="1">
+                <a:schemeClr val="accent1"/>
+              </a:lnRef>
+              <a:fillRef idx="0">
+                <a:schemeClr val="accent1"/>
+              </a:fillRef>
+              <a:effectRef idx="0">
+                <a:schemeClr val="accent1"/>
+              </a:effectRef>
+              <a:fontRef idx="minor">
+                <a:schemeClr val="tx1"/>
+              </a:fontRef>
+            </p:style>
+          </p:cxnSp>
+          <p:cxnSp>
+            <p:nvCxnSpPr>
+              <p:cNvPr id="17" name="Conector reto 16"/>
+              <p:cNvCxnSpPr/>
+              <p:nvPr/>
+            </p:nvCxnSpPr>
+            <p:spPr>
+              <a:xfrm flipH="1">
+                <a:off x="5082587" y="5995404"/>
+                <a:ext cx="1697832" cy="59"/>
+              </a:xfrm>
+              <a:prstGeom prst="line">
+                <a:avLst/>
+              </a:prstGeom>
+              <a:ln>
+                <a:solidFill>
+                  <a:schemeClr val="bg1">
+                    <a:lumMod val="50000"/>
+                  </a:schemeClr>
+                </a:solidFill>
+              </a:ln>
+            </p:spPr>
+            <p:style>
+              <a:lnRef idx="1">
+                <a:schemeClr val="accent1"/>
+              </a:lnRef>
+              <a:fillRef idx="0">
+                <a:schemeClr val="accent1"/>
+              </a:fillRef>
+              <a:effectRef idx="0">
+                <a:schemeClr val="accent1"/>
+              </a:effectRef>
+              <a:fontRef idx="minor">
+                <a:schemeClr val="tx1"/>
+              </a:fontRef>
+            </p:style>
+          </p:cxnSp>
+          <p:sp>
+            <p:nvSpPr>
+              <p:cNvPr id="18" name="Rectangle 2"/>
+              <p:cNvSpPr>
+                <a:spLocks noChangeArrowheads="1"/>
+              </p:cNvSpPr>
+              <p:nvPr/>
+            </p:nvSpPr>
+            <p:spPr bwMode="auto">
+              <a:xfrm>
+                <a:off x="5115581" y="1654965"/>
+                <a:ext cx="514381" cy="153888"/>
+              </a:xfrm>
+              <a:prstGeom prst="rect">
+                <a:avLst/>
+              </a:prstGeom>
+              <a:solidFill>
+                <a:srgbClr val="FFFFFF"/>
+              </a:solidFill>
+              <a:ln>
+                <a:noFill/>
+              </a:ln>
+              <a:effectLst/>
+              <a:extLst>
+                <a:ext uri="{91240B29-F687-4F45-9708-019B960494DF}">
+                  <a14:hiddenLine xmlns:a14="http://schemas.microsoft.com/office/drawing/2010/main" w="9525">
+                    <a:solidFill>
+                      <a:schemeClr val="tx1"/>
+                    </a:solidFill>
+                    <a:miter lim="800000"/>
+                    <a:headEnd/>
+                    <a:tailEnd/>
+                  </a14:hiddenLine>
+                </a:ext>
+                <a:ext uri="{AF507438-7753-43E0-B8FC-AC1667EBCBE1}">
+                  <a14:hiddenEffects xmlns:a14="http://schemas.microsoft.com/office/drawing/2010/main">
+                    <a:effectLst>
+                      <a:outerShdw dist="35921" dir="2700000" algn="ctr" rotWithShape="0">
+                        <a:schemeClr val="bg2"/>
+                      </a:outerShdw>
+                    </a:effectLst>
+                  </a14:hiddenEffects>
+                </a:ext>
+              </a:extLst>
+            </p:spPr>
+            <p:txBody>
+              <a:bodyPr vert="horz" wrap="square" lIns="0" tIns="0" rIns="0" bIns="0" numCol="1" anchor="ctr" anchorCtr="0" compatLnSpc="1">
+                <a:prstTxWarp prst="textNoShape">
+                  <a:avLst/>
+                </a:prstTxWarp>
+                <a:spAutoFit/>
+              </a:bodyPr>
+              <a:lstStyle/>
+              <a:p>
+                <a:pPr marL="0" marR="0" lvl="0" indent="0" algn="l" defTabSz="914400" rtl="0" eaLnBrk="0" fontAlgn="base" latinLnBrk="0" hangingPunct="0">
+                  <a:lnSpc>
+                    <a:spcPct val="100000"/>
+                  </a:lnSpc>
+                  <a:spcBef>
+                    <a:spcPct val="0"/>
+                  </a:spcBef>
+                  <a:spcAft>
+                    <a:spcPct val="0"/>
+                  </a:spcAft>
+                  <a:buClrTx/>
+                  <a:buSzTx/>
+                  <a:buFontTx/>
+                  <a:buNone/>
+                  <a:tabLst/>
+                </a:pPr>
+                <a:r>
+                  <a:rPr lang="pt-BR" altLang="pt-BR" sz="1000" dirty="0" smtClean="0">
+                    <a:solidFill>
+                      <a:schemeClr val="bg1">
+                        <a:lumMod val="50000"/>
+                      </a:schemeClr>
+                    </a:solidFill>
+                    <a:latin typeface="Arial" panose="020B0604020202020204" pitchFamily="34" charset="0"/>
+                    <a:cs typeface="Arial" panose="020B0604020202020204" pitchFamily="34" charset="0"/>
+                  </a:rPr>
+                  <a:t>Religião</a:t>
+                </a:r>
+                <a:endParaRPr lang="pt-BR" altLang="pt-BR" sz="900" dirty="0">
+                  <a:solidFill>
+                    <a:schemeClr val="bg1">
+                      <a:lumMod val="50000"/>
+                    </a:schemeClr>
+                  </a:solidFill>
+                  <a:latin typeface="Arial" panose="020B0604020202020204" pitchFamily="34" charset="0"/>
+                  <a:cs typeface="Arial" panose="020B0604020202020204" pitchFamily="34" charset="0"/>
+                </a:endParaRPr>
+              </a:p>
+            </p:txBody>
+          </p:sp>
+          <p:sp>
+            <p:nvSpPr>
+              <p:cNvPr id="23" name="Rectangle 4"/>
+              <p:cNvSpPr>
+                <a:spLocks noChangeArrowheads="1"/>
+              </p:cNvSpPr>
+              <p:nvPr/>
+            </p:nvSpPr>
+            <p:spPr bwMode="auto">
+              <a:xfrm>
+                <a:off x="5155242" y="903934"/>
+                <a:ext cx="474720" cy="153888"/>
+              </a:xfrm>
+              <a:prstGeom prst="rect">
+                <a:avLst/>
+              </a:prstGeom>
+              <a:solidFill>
+                <a:srgbClr val="FFFFFF"/>
+              </a:solidFill>
+              <a:ln>
+                <a:noFill/>
+              </a:ln>
+              <a:effectLst/>
+              <a:extLst>
+                <a:ext uri="{91240B29-F687-4F45-9708-019B960494DF}">
+                  <a14:hiddenLine xmlns:a14="http://schemas.microsoft.com/office/drawing/2010/main" w="9525">
+                    <a:solidFill>
+                      <a:schemeClr val="tx1"/>
+                    </a:solidFill>
+                    <a:miter lim="800000"/>
+                    <a:headEnd/>
+                    <a:tailEnd/>
+                  </a14:hiddenLine>
+                </a:ext>
+                <a:ext uri="{AF507438-7753-43E0-B8FC-AC1667EBCBE1}">
+                  <a14:hiddenEffects xmlns:a14="http://schemas.microsoft.com/office/drawing/2010/main">
+                    <a:effectLst>
+                      <a:outerShdw dist="35921" dir="2700000" algn="ctr" rotWithShape="0">
+                        <a:schemeClr val="bg2"/>
+                      </a:outerShdw>
+                    </a:effectLst>
+                  </a14:hiddenEffects>
+                </a:ext>
+              </a:extLst>
+            </p:spPr>
+            <p:txBody>
+              <a:bodyPr vert="horz" wrap="square" lIns="0" tIns="0" rIns="0" bIns="0" numCol="1" anchor="ctr" anchorCtr="0" compatLnSpc="1">
+                <a:prstTxWarp prst="textNoShape">
+                  <a:avLst/>
+                </a:prstTxWarp>
+                <a:spAutoFit/>
+              </a:bodyPr>
+              <a:lstStyle/>
+              <a:p>
+                <a:pPr marL="0" marR="0" lvl="0" indent="0" algn="l" defTabSz="914400" rtl="0" eaLnBrk="0" fontAlgn="base" latinLnBrk="0" hangingPunct="0">
+                  <a:lnSpc>
+                    <a:spcPct val="100000"/>
+                  </a:lnSpc>
+                  <a:spcBef>
+                    <a:spcPct val="0"/>
+                  </a:spcBef>
+                  <a:spcAft>
+                    <a:spcPct val="0"/>
+                  </a:spcAft>
+                  <a:buClrTx/>
+                  <a:buSzTx/>
+                  <a:buFontTx/>
+                  <a:buNone/>
+                  <a:tabLst/>
+                </a:pPr>
+                <a:r>
+                  <a:rPr lang="pt-BR" altLang="pt-BR" sz="1000" dirty="0" smtClean="0">
+                    <a:solidFill>
+                      <a:schemeClr val="bg1">
+                        <a:lumMod val="50000"/>
+                      </a:schemeClr>
+                    </a:solidFill>
+                    <a:latin typeface="Arial" panose="020B0604020202020204" pitchFamily="34" charset="0"/>
+                    <a:cs typeface="Arial" panose="020B0604020202020204" pitchFamily="34" charset="0"/>
+                  </a:rPr>
+                  <a:t>Região</a:t>
+                </a:r>
+                <a:endParaRPr lang="pt-BR" altLang="pt-BR" sz="1000" dirty="0">
+                  <a:solidFill>
+                    <a:schemeClr val="bg1">
+                      <a:lumMod val="50000"/>
+                    </a:schemeClr>
+                  </a:solidFill>
+                  <a:latin typeface="Arial" panose="020B0604020202020204" pitchFamily="34" charset="0"/>
+                  <a:cs typeface="Arial" panose="020B0604020202020204" pitchFamily="34" charset="0"/>
+                </a:endParaRPr>
+              </a:p>
+            </p:txBody>
+          </p:sp>
+          <p:cxnSp>
+            <p:nvCxnSpPr>
+              <p:cNvPr id="25" name="Conector reto 24"/>
+              <p:cNvCxnSpPr/>
+              <p:nvPr/>
+            </p:nvCxnSpPr>
+            <p:spPr>
+              <a:xfrm flipH="1">
+                <a:off x="5052832" y="3762753"/>
+                <a:ext cx="1697832" cy="59"/>
+              </a:xfrm>
+              <a:prstGeom prst="line">
+                <a:avLst/>
+              </a:prstGeom>
+              <a:ln>
+                <a:solidFill>
+                  <a:schemeClr val="bg1">
+                    <a:lumMod val="50000"/>
+                  </a:schemeClr>
+                </a:solidFill>
+              </a:ln>
+            </p:spPr>
+            <p:style>
+              <a:lnRef idx="1">
+                <a:schemeClr val="accent1"/>
+              </a:lnRef>
+              <a:fillRef idx="0">
+                <a:schemeClr val="accent1"/>
+              </a:fillRef>
+              <a:effectRef idx="0">
+                <a:schemeClr val="accent1"/>
+              </a:effectRef>
+              <a:fontRef idx="minor">
+                <a:schemeClr val="tx1"/>
+              </a:fontRef>
+            </p:style>
+          </p:cxnSp>
+          <p:cxnSp>
+            <p:nvCxnSpPr>
+              <p:cNvPr id="47" name="Conector reto 46"/>
+              <p:cNvCxnSpPr/>
+              <p:nvPr/>
+            </p:nvCxnSpPr>
+            <p:spPr>
+              <a:xfrm flipH="1">
+                <a:off x="5048687" y="3077124"/>
+                <a:ext cx="1697832" cy="59"/>
+              </a:xfrm>
+              <a:prstGeom prst="line">
+                <a:avLst/>
+              </a:prstGeom>
+              <a:ln>
+                <a:solidFill>
+                  <a:schemeClr val="bg1">
+                    <a:lumMod val="50000"/>
+                  </a:schemeClr>
+                </a:solidFill>
+              </a:ln>
+            </p:spPr>
+            <p:style>
+              <a:lnRef idx="1">
+                <a:schemeClr val="accent1"/>
+              </a:lnRef>
+              <a:fillRef idx="0">
+                <a:schemeClr val="accent1"/>
+              </a:fillRef>
+              <a:effectRef idx="0">
+                <a:schemeClr val="accent1"/>
+              </a:effectRef>
+              <a:fontRef idx="minor">
+                <a:schemeClr val="tx1"/>
+              </a:fontRef>
+            </p:style>
+          </p:cxnSp>
+          <p:cxnSp>
+            <p:nvCxnSpPr>
+              <p:cNvPr id="48" name="Conector reto 47"/>
+              <p:cNvCxnSpPr/>
+              <p:nvPr/>
+            </p:nvCxnSpPr>
+            <p:spPr>
+              <a:xfrm flipH="1">
+                <a:off x="5021274" y="4460782"/>
+                <a:ext cx="1697832" cy="59"/>
+              </a:xfrm>
+              <a:prstGeom prst="line">
+                <a:avLst/>
+              </a:prstGeom>
+              <a:ln>
+                <a:solidFill>
+                  <a:schemeClr val="bg1">
+                    <a:lumMod val="50000"/>
+                  </a:schemeClr>
+                </a:solidFill>
+              </a:ln>
+            </p:spPr>
+            <p:style>
+              <a:lnRef idx="1">
+                <a:schemeClr val="accent1"/>
+              </a:lnRef>
+              <a:fillRef idx="0">
+                <a:schemeClr val="accent1"/>
+              </a:fillRef>
+              <a:effectRef idx="0">
+                <a:schemeClr val="accent1"/>
+              </a:effectRef>
+              <a:fontRef idx="minor">
+                <a:schemeClr val="tx1"/>
+              </a:fontRef>
+            </p:style>
+          </p:cxnSp>
+          <p:cxnSp>
+            <p:nvCxnSpPr>
+              <p:cNvPr id="49" name="Conector reto 48"/>
+              <p:cNvCxnSpPr/>
+              <p:nvPr/>
+            </p:nvCxnSpPr>
+            <p:spPr>
+              <a:xfrm flipH="1">
+                <a:off x="5059189" y="5553881"/>
+                <a:ext cx="1697832" cy="59"/>
+              </a:xfrm>
+              <a:prstGeom prst="line">
+                <a:avLst/>
+              </a:prstGeom>
+              <a:ln>
+                <a:solidFill>
+                  <a:schemeClr val="bg1">
+                    <a:lumMod val="50000"/>
+                  </a:schemeClr>
+                </a:solidFill>
+              </a:ln>
+            </p:spPr>
+            <p:style>
+              <a:lnRef idx="1">
+                <a:schemeClr val="accent1"/>
+              </a:lnRef>
+              <a:fillRef idx="0">
+                <a:schemeClr val="accent1"/>
+              </a:fillRef>
+              <a:effectRef idx="0">
+                <a:schemeClr val="accent1"/>
+              </a:effectRef>
+              <a:fontRef idx="minor">
+                <a:schemeClr val="tx1"/>
+              </a:fontRef>
+            </p:style>
+          </p:cxnSp>
+          <p:sp>
+            <p:nvSpPr>
+              <p:cNvPr id="50" name="Rectangle 2"/>
+              <p:cNvSpPr>
+                <a:spLocks noChangeArrowheads="1"/>
+              </p:cNvSpPr>
+              <p:nvPr/>
+            </p:nvSpPr>
+            <p:spPr bwMode="auto">
+              <a:xfrm>
+                <a:off x="5088957" y="2595636"/>
+                <a:ext cx="382566" cy="153888"/>
+              </a:xfrm>
+              <a:prstGeom prst="rect">
+                <a:avLst/>
+              </a:prstGeom>
+              <a:solidFill>
+                <a:srgbClr val="FFFFFF"/>
+              </a:solidFill>
+              <a:ln>
+                <a:noFill/>
+              </a:ln>
+              <a:effectLst/>
+              <a:extLst>
+                <a:ext uri="{91240B29-F687-4F45-9708-019B960494DF}">
+                  <a14:hiddenLine xmlns:a14="http://schemas.microsoft.com/office/drawing/2010/main" w="9525">
+                    <a:solidFill>
+                      <a:schemeClr val="tx1"/>
+                    </a:solidFill>
+                    <a:miter lim="800000"/>
+                    <a:headEnd/>
+                    <a:tailEnd/>
+                  </a14:hiddenLine>
+                </a:ext>
+                <a:ext uri="{AF507438-7753-43E0-B8FC-AC1667EBCBE1}">
+                  <a14:hiddenEffects xmlns:a14="http://schemas.microsoft.com/office/drawing/2010/main">
+                    <a:effectLst>
+                      <a:outerShdw dist="35921" dir="2700000" algn="ctr" rotWithShape="0">
+                        <a:schemeClr val="bg2"/>
+                      </a:outerShdw>
+                    </a:effectLst>
+                  </a14:hiddenEffects>
+                </a:ext>
+              </a:extLst>
+            </p:spPr>
+            <p:txBody>
+              <a:bodyPr vert="horz" wrap="square" lIns="0" tIns="0" rIns="0" bIns="0" numCol="1" anchor="ctr" anchorCtr="0" compatLnSpc="1">
+                <a:prstTxWarp prst="textNoShape">
+                  <a:avLst/>
+                </a:prstTxWarp>
+                <a:spAutoFit/>
+              </a:bodyPr>
+              <a:lstStyle/>
+              <a:p>
+                <a:pPr marL="0" marR="0" lvl="0" indent="0" algn="l" defTabSz="914400" rtl="0" eaLnBrk="0" fontAlgn="base" latinLnBrk="0" hangingPunct="0">
+                  <a:lnSpc>
+                    <a:spcPct val="100000"/>
+                  </a:lnSpc>
+                  <a:spcBef>
+                    <a:spcPct val="0"/>
+                  </a:spcBef>
+                  <a:spcAft>
+                    <a:spcPct val="0"/>
+                  </a:spcAft>
+                  <a:buClrTx/>
+                  <a:buSzTx/>
+                  <a:buFontTx/>
+                  <a:buNone/>
+                  <a:tabLst/>
+                </a:pPr>
+                <a:r>
+                  <a:rPr lang="pt-BR" altLang="pt-BR" sz="1000" dirty="0" smtClean="0">
+                    <a:solidFill>
+                      <a:schemeClr val="bg1">
+                        <a:lumMod val="50000"/>
+                      </a:schemeClr>
+                    </a:solidFill>
+                    <a:latin typeface="Arial" panose="020B0604020202020204" pitchFamily="34" charset="0"/>
+                    <a:cs typeface="Arial" panose="020B0604020202020204" pitchFamily="34" charset="0"/>
+                  </a:rPr>
+                  <a:t>Renda</a:t>
+                </a:r>
+                <a:endParaRPr lang="pt-BR" altLang="pt-BR" sz="900" dirty="0">
+                  <a:solidFill>
+                    <a:schemeClr val="bg1">
+                      <a:lumMod val="50000"/>
+                    </a:schemeClr>
+                  </a:solidFill>
+                  <a:latin typeface="Arial" panose="020B0604020202020204" pitchFamily="34" charset="0"/>
+                  <a:cs typeface="Arial" panose="020B0604020202020204" pitchFamily="34" charset="0"/>
+                </a:endParaRPr>
+              </a:p>
+            </p:txBody>
+          </p:sp>
+          <p:sp>
+            <p:nvSpPr>
+              <p:cNvPr id="52" name="Rectangle 2"/>
+              <p:cNvSpPr>
+                <a:spLocks noChangeArrowheads="1"/>
+              </p:cNvSpPr>
+              <p:nvPr/>
+            </p:nvSpPr>
+            <p:spPr bwMode="auto">
+              <a:xfrm>
+                <a:off x="5082587" y="4076090"/>
+                <a:ext cx="640193" cy="153888"/>
+              </a:xfrm>
+              <a:prstGeom prst="rect">
+                <a:avLst/>
+              </a:prstGeom>
+              <a:solidFill>
+                <a:srgbClr val="FFFFFF"/>
+              </a:solidFill>
+              <a:ln>
+                <a:noFill/>
+              </a:ln>
+              <a:effectLst/>
+              <a:extLst>
+                <a:ext uri="{91240B29-F687-4F45-9708-019B960494DF}">
+                  <a14:hiddenLine xmlns:a14="http://schemas.microsoft.com/office/drawing/2010/main" w="9525">
+                    <a:solidFill>
+                      <a:schemeClr val="tx1"/>
+                    </a:solidFill>
+                    <a:miter lim="800000"/>
+                    <a:headEnd/>
+                    <a:tailEnd/>
+                  </a14:hiddenLine>
+                </a:ext>
+                <a:ext uri="{AF507438-7753-43E0-B8FC-AC1667EBCBE1}">
+                  <a14:hiddenEffects xmlns:a14="http://schemas.microsoft.com/office/drawing/2010/main">
+                    <a:effectLst>
+                      <a:outerShdw dist="35921" dir="2700000" algn="ctr" rotWithShape="0">
+                        <a:schemeClr val="bg2"/>
+                      </a:outerShdw>
+                    </a:effectLst>
+                  </a14:hiddenEffects>
+                </a:ext>
+              </a:extLst>
+            </p:spPr>
+            <p:txBody>
+              <a:bodyPr vert="horz" wrap="square" lIns="0" tIns="0" rIns="0" bIns="0" numCol="1" anchor="ctr" anchorCtr="0" compatLnSpc="1">
+                <a:prstTxWarp prst="textNoShape">
+                  <a:avLst/>
+                </a:prstTxWarp>
+                <a:spAutoFit/>
+              </a:bodyPr>
+              <a:lstStyle/>
+              <a:p>
+                <a:pPr marL="0" marR="0" lvl="0" indent="0" algn="l" defTabSz="914400" rtl="0" eaLnBrk="0" fontAlgn="base" latinLnBrk="0" hangingPunct="0">
+                  <a:lnSpc>
+                    <a:spcPct val="100000"/>
+                  </a:lnSpc>
+                  <a:spcBef>
+                    <a:spcPct val="0"/>
+                  </a:spcBef>
+                  <a:spcAft>
+                    <a:spcPct val="0"/>
+                  </a:spcAft>
+                  <a:buClrTx/>
+                  <a:buSzTx/>
+                  <a:buFontTx/>
+                  <a:buNone/>
+                  <a:tabLst/>
+                </a:pPr>
+                <a:r>
+                  <a:rPr lang="pt-BR" altLang="pt-BR" sz="1000" dirty="0" smtClean="0">
+                    <a:solidFill>
+                      <a:schemeClr val="bg1">
+                        <a:lumMod val="50000"/>
+                      </a:schemeClr>
+                    </a:solidFill>
+                    <a:latin typeface="Arial" panose="020B0604020202020204" pitchFamily="34" charset="0"/>
+                    <a:cs typeface="Arial" panose="020B0604020202020204" pitchFamily="34" charset="0"/>
+                  </a:rPr>
+                  <a:t>Cor/Raça</a:t>
+                </a:r>
+                <a:endParaRPr lang="pt-BR" altLang="pt-BR" sz="900" dirty="0">
+                  <a:solidFill>
+                    <a:schemeClr val="bg1">
+                      <a:lumMod val="50000"/>
+                    </a:schemeClr>
+                  </a:solidFill>
+                  <a:latin typeface="Arial" panose="020B0604020202020204" pitchFamily="34" charset="0"/>
+                  <a:cs typeface="Arial" panose="020B0604020202020204" pitchFamily="34" charset="0"/>
+                </a:endParaRPr>
+              </a:p>
+            </p:txBody>
+          </p:sp>
+          <p:sp>
+            <p:nvSpPr>
+              <p:cNvPr id="53" name="Rectangle 2"/>
+              <p:cNvSpPr>
+                <a:spLocks noChangeArrowheads="1"/>
+              </p:cNvSpPr>
+              <p:nvPr/>
+            </p:nvSpPr>
+            <p:spPr bwMode="auto">
+              <a:xfrm>
+                <a:off x="5082587" y="4918010"/>
+                <a:ext cx="773049" cy="153888"/>
+              </a:xfrm>
+              <a:prstGeom prst="rect">
+                <a:avLst/>
+              </a:prstGeom>
+              <a:solidFill>
+                <a:srgbClr val="FFFFFF"/>
+              </a:solidFill>
+              <a:ln>
+                <a:noFill/>
+              </a:ln>
+              <a:effectLst/>
+              <a:extLst>
+                <a:ext uri="{91240B29-F687-4F45-9708-019B960494DF}">
+                  <a14:hiddenLine xmlns:a14="http://schemas.microsoft.com/office/drawing/2010/main" w="9525">
+                    <a:solidFill>
+                      <a:schemeClr val="tx1"/>
+                    </a:solidFill>
+                    <a:miter lim="800000"/>
+                    <a:headEnd/>
+                    <a:tailEnd/>
+                  </a14:hiddenLine>
+                </a:ext>
+                <a:ext uri="{AF507438-7753-43E0-B8FC-AC1667EBCBE1}">
+                  <a14:hiddenEffects xmlns:a14="http://schemas.microsoft.com/office/drawing/2010/main">
+                    <a:effectLst>
+                      <a:outerShdw dist="35921" dir="2700000" algn="ctr" rotWithShape="0">
+                        <a:schemeClr val="bg2"/>
+                      </a:outerShdw>
+                    </a:effectLst>
+                  </a14:hiddenEffects>
+                </a:ext>
+              </a:extLst>
+            </p:spPr>
+            <p:txBody>
+              <a:bodyPr vert="horz" wrap="square" lIns="0" tIns="0" rIns="0" bIns="0" numCol="1" anchor="ctr" anchorCtr="0" compatLnSpc="1">
+                <a:prstTxWarp prst="textNoShape">
+                  <a:avLst/>
+                </a:prstTxWarp>
+                <a:spAutoFit/>
+              </a:bodyPr>
+              <a:lstStyle/>
+              <a:p>
+                <a:pPr marL="0" marR="0" lvl="0" indent="0" algn="l" defTabSz="914400" rtl="0" eaLnBrk="0" fontAlgn="base" latinLnBrk="0" hangingPunct="0">
+                  <a:lnSpc>
+                    <a:spcPct val="100000"/>
+                  </a:lnSpc>
+                  <a:spcBef>
+                    <a:spcPct val="0"/>
+                  </a:spcBef>
+                  <a:spcAft>
+                    <a:spcPct val="0"/>
+                  </a:spcAft>
+                  <a:buClrTx/>
+                  <a:buSzTx/>
+                  <a:buFontTx/>
+                  <a:buNone/>
+                  <a:tabLst/>
+                </a:pPr>
+                <a:r>
+                  <a:rPr lang="pt-BR" altLang="pt-BR" sz="1000" dirty="0" smtClean="0">
+                    <a:solidFill>
+                      <a:schemeClr val="bg1">
+                        <a:lumMod val="50000"/>
+                      </a:schemeClr>
+                    </a:solidFill>
+                    <a:latin typeface="Arial" panose="020B0604020202020204" pitchFamily="34" charset="0"/>
+                    <a:cs typeface="Arial" panose="020B0604020202020204" pitchFamily="34" charset="0"/>
+                  </a:rPr>
+                  <a:t>Faixa etária</a:t>
+                </a:r>
+                <a:endParaRPr lang="pt-BR" altLang="pt-BR" sz="900" dirty="0">
+                  <a:solidFill>
+                    <a:schemeClr val="bg1">
+                      <a:lumMod val="50000"/>
+                    </a:schemeClr>
+                  </a:solidFill>
+                  <a:latin typeface="Arial" panose="020B0604020202020204" pitchFamily="34" charset="0"/>
+                  <a:cs typeface="Arial" panose="020B0604020202020204" pitchFamily="34" charset="0"/>
+                </a:endParaRPr>
+              </a:p>
+            </p:txBody>
+          </p:sp>
+          <p:sp>
+            <p:nvSpPr>
+              <p:cNvPr id="54" name="Rectangle 2"/>
+              <p:cNvSpPr>
+                <a:spLocks noChangeArrowheads="1"/>
+              </p:cNvSpPr>
+              <p:nvPr/>
+            </p:nvSpPr>
+            <p:spPr bwMode="auto">
+              <a:xfrm>
+                <a:off x="5234258" y="5729023"/>
+                <a:ext cx="474529" cy="153888"/>
+              </a:xfrm>
+              <a:prstGeom prst="rect">
+                <a:avLst/>
+              </a:prstGeom>
+              <a:solidFill>
+                <a:srgbClr val="FFFFFF"/>
+              </a:solidFill>
+              <a:ln>
+                <a:noFill/>
+              </a:ln>
+              <a:effectLst/>
+              <a:extLst>
+                <a:ext uri="{91240B29-F687-4F45-9708-019B960494DF}">
+                  <a14:hiddenLine xmlns:a14="http://schemas.microsoft.com/office/drawing/2010/main" w="9525">
+                    <a:solidFill>
+                      <a:schemeClr val="tx1"/>
+                    </a:solidFill>
+                    <a:miter lim="800000"/>
+                    <a:headEnd/>
+                    <a:tailEnd/>
+                  </a14:hiddenLine>
+                </a:ext>
+                <a:ext uri="{AF507438-7753-43E0-B8FC-AC1667EBCBE1}">
+                  <a14:hiddenEffects xmlns:a14="http://schemas.microsoft.com/office/drawing/2010/main">
+                    <a:effectLst>
+                      <a:outerShdw dist="35921" dir="2700000" algn="ctr" rotWithShape="0">
+                        <a:schemeClr val="bg2"/>
+                      </a:outerShdw>
+                    </a:effectLst>
+                  </a14:hiddenEffects>
+                </a:ext>
+              </a:extLst>
+            </p:spPr>
+            <p:txBody>
+              <a:bodyPr vert="horz" wrap="square" lIns="0" tIns="0" rIns="0" bIns="0" numCol="1" anchor="ctr" anchorCtr="0" compatLnSpc="1">
+                <a:prstTxWarp prst="textNoShape">
+                  <a:avLst/>
+                </a:prstTxWarp>
+                <a:spAutoFit/>
+              </a:bodyPr>
+              <a:lstStyle/>
+              <a:p>
+                <a:pPr marL="0" marR="0" lvl="0" indent="0" algn="l" defTabSz="914400" rtl="0" eaLnBrk="0" fontAlgn="base" latinLnBrk="0" hangingPunct="0">
+                  <a:lnSpc>
+                    <a:spcPct val="100000"/>
+                  </a:lnSpc>
+                  <a:spcBef>
+                    <a:spcPct val="0"/>
+                  </a:spcBef>
+                  <a:spcAft>
+                    <a:spcPct val="0"/>
+                  </a:spcAft>
+                  <a:buClrTx/>
+                  <a:buSzTx/>
+                  <a:buFontTx/>
+                  <a:buNone/>
+                  <a:tabLst/>
+                </a:pPr>
+                <a:r>
+                  <a:rPr lang="pt-BR" altLang="pt-BR" sz="1000" dirty="0" smtClean="0">
+                    <a:solidFill>
+                      <a:schemeClr val="bg1">
+                        <a:lumMod val="50000"/>
+                      </a:schemeClr>
+                    </a:solidFill>
+                    <a:latin typeface="Arial" panose="020B0604020202020204" pitchFamily="34" charset="0"/>
+                    <a:cs typeface="Arial" panose="020B0604020202020204" pitchFamily="34" charset="0"/>
+                  </a:rPr>
+                  <a:t>Gênero</a:t>
+                </a:r>
+                <a:endParaRPr lang="pt-BR" altLang="pt-BR" sz="900" dirty="0">
+                  <a:solidFill>
+                    <a:schemeClr val="bg1">
+                      <a:lumMod val="50000"/>
+                    </a:schemeClr>
+                  </a:solidFill>
+                  <a:latin typeface="Arial" panose="020B0604020202020204" pitchFamily="34" charset="0"/>
+                  <a:cs typeface="Arial" panose="020B0604020202020204" pitchFamily="34" charset="0"/>
+                </a:endParaRPr>
+              </a:p>
+            </p:txBody>
+          </p:sp>
+          <p:sp>
+            <p:nvSpPr>
+              <p:cNvPr id="58" name="Retângulo 57"/>
+              <p:cNvSpPr/>
+              <p:nvPr/>
+            </p:nvSpPr>
+            <p:spPr>
+              <a:xfrm>
+                <a:off x="6034088" y="659209"/>
+                <a:ext cx="290252" cy="154012"/>
+              </a:xfrm>
+              <a:prstGeom prst="rect">
+                <a:avLst/>
+              </a:prstGeom>
+              <a:solidFill>
+                <a:schemeClr val="bg1"/>
+              </a:solidFill>
+              <a:ln>
+                <a:noFill/>
+              </a:ln>
+            </p:spPr>
+            <p:style>
+              <a:lnRef idx="2">
+                <a:schemeClr val="accent1">
+                  <a:shade val="50000"/>
+                </a:schemeClr>
+              </a:lnRef>
+              <a:fillRef idx="1">
+                <a:schemeClr val="accent1"/>
+              </a:fillRef>
+              <a:effectRef idx="0">
+                <a:schemeClr val="accent1"/>
+              </a:effectRef>
+              <a:fontRef idx="minor">
+                <a:schemeClr val="lt1"/>
+              </a:fontRef>
+            </p:style>
+            <p:txBody>
+              <a:bodyPr rtlCol="0" anchor="ctr"/>
+              <a:lstStyle/>
+              <a:p>
+                <a:pPr algn="ctr"/>
+                <a:endParaRPr lang="pt-BR"/>
+              </a:p>
+            </p:txBody>
+          </p:sp>
+          <p:sp>
+            <p:nvSpPr>
+              <p:cNvPr id="81" name="Retângulo 80"/>
+              <p:cNvSpPr/>
+              <p:nvPr/>
+            </p:nvSpPr>
+            <p:spPr>
+              <a:xfrm>
+                <a:off x="5705474" y="873527"/>
+                <a:ext cx="290252" cy="154012"/>
+              </a:xfrm>
+              <a:prstGeom prst="rect">
+                <a:avLst/>
+              </a:prstGeom>
+              <a:solidFill>
+                <a:schemeClr val="bg1"/>
+              </a:solidFill>
+              <a:ln>
+                <a:noFill/>
+              </a:ln>
+            </p:spPr>
+            <p:style>
+              <a:lnRef idx="2">
+                <a:schemeClr val="accent1">
+                  <a:shade val="50000"/>
+                </a:schemeClr>
+              </a:lnRef>
+              <a:fillRef idx="1">
+                <a:schemeClr val="accent1"/>
+              </a:fillRef>
+              <a:effectRef idx="0">
+                <a:schemeClr val="accent1"/>
+              </a:effectRef>
+              <a:fontRef idx="minor">
+                <a:schemeClr val="lt1"/>
+              </a:fontRef>
+            </p:style>
+            <p:txBody>
+              <a:bodyPr rtlCol="0" anchor="ctr"/>
+              <a:lstStyle/>
+              <a:p>
+                <a:pPr algn="ctr"/>
+                <a:endParaRPr lang="pt-BR"/>
+              </a:p>
+            </p:txBody>
+          </p:sp>
+          <p:sp>
+            <p:nvSpPr>
+              <p:cNvPr id="82" name="Retângulo 81"/>
+              <p:cNvSpPr/>
+              <p:nvPr/>
+            </p:nvSpPr>
+            <p:spPr>
+              <a:xfrm>
+                <a:off x="6048371" y="1083084"/>
+                <a:ext cx="290252" cy="154012"/>
+              </a:xfrm>
+              <a:prstGeom prst="rect">
+                <a:avLst/>
+              </a:prstGeom>
+              <a:solidFill>
+                <a:schemeClr val="bg1"/>
+              </a:solidFill>
+              <a:ln>
+                <a:noFill/>
+              </a:ln>
+            </p:spPr>
+            <p:style>
+              <a:lnRef idx="2">
+                <a:schemeClr val="accent1">
+                  <a:shade val="50000"/>
+                </a:schemeClr>
+              </a:lnRef>
+              <a:fillRef idx="1">
+                <a:schemeClr val="accent1"/>
+              </a:fillRef>
+              <a:effectRef idx="0">
+                <a:schemeClr val="accent1"/>
+              </a:effectRef>
+              <a:fontRef idx="minor">
+                <a:schemeClr val="lt1"/>
+              </a:fontRef>
+            </p:style>
+            <p:txBody>
+              <a:bodyPr rtlCol="0" anchor="ctr"/>
+              <a:lstStyle/>
+              <a:p>
+                <a:pPr algn="ctr"/>
+                <a:endParaRPr lang="pt-BR"/>
+              </a:p>
+            </p:txBody>
+          </p:sp>
+          <p:sp>
+            <p:nvSpPr>
+              <p:cNvPr id="83" name="Retângulo 82"/>
+              <p:cNvSpPr/>
+              <p:nvPr/>
+            </p:nvSpPr>
+            <p:spPr>
+              <a:xfrm>
+                <a:off x="5776900" y="1321213"/>
+                <a:ext cx="290252" cy="154012"/>
+              </a:xfrm>
+              <a:prstGeom prst="rect">
+                <a:avLst/>
+              </a:prstGeom>
+              <a:solidFill>
+                <a:schemeClr val="bg1"/>
+              </a:solidFill>
+              <a:ln>
+                <a:noFill/>
+              </a:ln>
+            </p:spPr>
+            <p:style>
+              <a:lnRef idx="2">
+                <a:schemeClr val="accent1">
+                  <a:shade val="50000"/>
+                </a:schemeClr>
+              </a:lnRef>
+              <a:fillRef idx="1">
+                <a:schemeClr val="accent1"/>
+              </a:fillRef>
+              <a:effectRef idx="0">
+                <a:schemeClr val="accent1"/>
+              </a:effectRef>
+              <a:fontRef idx="minor">
+                <a:schemeClr val="lt1"/>
+              </a:fontRef>
+            </p:style>
+            <p:txBody>
+              <a:bodyPr rtlCol="0" anchor="ctr"/>
+              <a:lstStyle/>
+              <a:p>
+                <a:pPr algn="ctr"/>
+                <a:endParaRPr lang="pt-BR"/>
+              </a:p>
+            </p:txBody>
+          </p:sp>
+          <p:sp>
+            <p:nvSpPr>
+              <p:cNvPr id="84" name="Retângulo 83"/>
+              <p:cNvSpPr/>
+              <p:nvPr/>
+            </p:nvSpPr>
+            <p:spPr>
+              <a:xfrm>
+                <a:off x="5624495" y="1530766"/>
+                <a:ext cx="290252" cy="154012"/>
+              </a:xfrm>
+              <a:prstGeom prst="rect">
+                <a:avLst/>
+              </a:prstGeom>
+              <a:solidFill>
+                <a:schemeClr val="bg1"/>
+              </a:solidFill>
+              <a:ln>
+                <a:noFill/>
+              </a:ln>
+            </p:spPr>
+            <p:style>
+              <a:lnRef idx="2">
+                <a:schemeClr val="accent1">
+                  <a:shade val="50000"/>
+                </a:schemeClr>
+              </a:lnRef>
+              <a:fillRef idx="1">
+                <a:schemeClr val="accent1"/>
+              </a:fillRef>
+              <a:effectRef idx="0">
+                <a:schemeClr val="accent1"/>
+              </a:effectRef>
+              <a:fontRef idx="minor">
+                <a:schemeClr val="lt1"/>
+              </a:fontRef>
+            </p:style>
+            <p:txBody>
+              <a:bodyPr rtlCol="0" anchor="ctr"/>
+              <a:lstStyle/>
+              <a:p>
+                <a:pPr algn="ctr"/>
+                <a:endParaRPr lang="pt-BR"/>
+              </a:p>
+            </p:txBody>
+          </p:sp>
+          <p:sp>
+            <p:nvSpPr>
+              <p:cNvPr id="85" name="Retângulo 84"/>
+              <p:cNvSpPr/>
+              <p:nvPr/>
+            </p:nvSpPr>
+            <p:spPr>
+              <a:xfrm>
+                <a:off x="5843576" y="1768897"/>
+                <a:ext cx="290252" cy="154012"/>
+              </a:xfrm>
+              <a:prstGeom prst="rect">
+                <a:avLst/>
+              </a:prstGeom>
+              <a:solidFill>
+                <a:schemeClr val="bg1"/>
+              </a:solidFill>
+              <a:ln>
+                <a:noFill/>
+              </a:ln>
+            </p:spPr>
+            <p:style>
+              <a:lnRef idx="2">
+                <a:schemeClr val="accent1">
+                  <a:shade val="50000"/>
+                </a:schemeClr>
+              </a:lnRef>
+              <a:fillRef idx="1">
+                <a:schemeClr val="accent1"/>
+              </a:fillRef>
+              <a:effectRef idx="0">
+                <a:schemeClr val="accent1"/>
+              </a:effectRef>
+              <a:fontRef idx="minor">
+                <a:schemeClr val="lt1"/>
+              </a:fontRef>
+            </p:style>
+            <p:txBody>
+              <a:bodyPr rtlCol="0" anchor="ctr"/>
+              <a:lstStyle/>
+              <a:p>
+                <a:pPr algn="ctr"/>
+                <a:endParaRPr lang="pt-BR"/>
+              </a:p>
+            </p:txBody>
+          </p:sp>
+          <p:sp>
+            <p:nvSpPr>
+              <p:cNvPr id="86" name="Retângulo 85"/>
+              <p:cNvSpPr/>
+              <p:nvPr/>
+            </p:nvSpPr>
+            <p:spPr>
+              <a:xfrm>
+                <a:off x="5995976" y="1987975"/>
+                <a:ext cx="290252" cy="154012"/>
+              </a:xfrm>
+              <a:prstGeom prst="rect">
+                <a:avLst/>
+              </a:prstGeom>
+              <a:solidFill>
+                <a:schemeClr val="bg1"/>
+              </a:solidFill>
+              <a:ln>
+                <a:noFill/>
+              </a:ln>
+            </p:spPr>
+            <p:style>
+              <a:lnRef idx="2">
+                <a:schemeClr val="accent1">
+                  <a:shade val="50000"/>
+                </a:schemeClr>
+              </a:lnRef>
+              <a:fillRef idx="1">
+                <a:schemeClr val="accent1"/>
+              </a:fillRef>
+              <a:effectRef idx="0">
+                <a:schemeClr val="accent1"/>
+              </a:effectRef>
+              <a:fontRef idx="minor">
+                <a:schemeClr val="lt1"/>
+              </a:fontRef>
+            </p:style>
+            <p:txBody>
+              <a:bodyPr rtlCol="0" anchor="ctr"/>
+              <a:lstStyle/>
+              <a:p>
+                <a:pPr algn="ctr"/>
+                <a:endParaRPr lang="pt-BR"/>
+              </a:p>
+            </p:txBody>
+          </p:sp>
+          <p:sp>
+            <p:nvSpPr>
+              <p:cNvPr id="87" name="Retângulo 86"/>
+              <p:cNvSpPr/>
+              <p:nvPr/>
+            </p:nvSpPr>
+            <p:spPr>
+              <a:xfrm>
+                <a:off x="5853093" y="2226104"/>
+                <a:ext cx="290252" cy="154012"/>
+              </a:xfrm>
+              <a:prstGeom prst="rect">
+                <a:avLst/>
+              </a:prstGeom>
+              <a:solidFill>
+                <a:schemeClr val="bg1"/>
+              </a:solidFill>
+              <a:ln>
+                <a:noFill/>
+              </a:ln>
+            </p:spPr>
+            <p:style>
+              <a:lnRef idx="2">
+                <a:schemeClr val="accent1">
+                  <a:shade val="50000"/>
+                </a:schemeClr>
+              </a:lnRef>
+              <a:fillRef idx="1">
+                <a:schemeClr val="accent1"/>
+              </a:fillRef>
+              <a:effectRef idx="0">
+                <a:schemeClr val="accent1"/>
+              </a:effectRef>
+              <a:fontRef idx="minor">
+                <a:schemeClr val="lt1"/>
+              </a:fontRef>
+            </p:style>
+            <p:txBody>
+              <a:bodyPr rtlCol="0" anchor="ctr"/>
+              <a:lstStyle/>
+              <a:p>
+                <a:pPr algn="ctr"/>
+                <a:endParaRPr lang="pt-BR"/>
+              </a:p>
+            </p:txBody>
+          </p:sp>
+          <p:sp>
+            <p:nvSpPr>
+              <p:cNvPr id="88" name="Retângulo 87"/>
+              <p:cNvSpPr/>
+              <p:nvPr/>
+            </p:nvSpPr>
+            <p:spPr>
+              <a:xfrm>
+                <a:off x="6005493" y="2449946"/>
+                <a:ext cx="290252" cy="154012"/>
+              </a:xfrm>
+              <a:prstGeom prst="rect">
+                <a:avLst/>
+              </a:prstGeom>
+              <a:solidFill>
+                <a:schemeClr val="bg1"/>
+              </a:solidFill>
+              <a:ln>
+                <a:noFill/>
+              </a:ln>
+            </p:spPr>
+            <p:style>
+              <a:lnRef idx="2">
+                <a:schemeClr val="accent1">
+                  <a:shade val="50000"/>
+                </a:schemeClr>
+              </a:lnRef>
+              <a:fillRef idx="1">
+                <a:schemeClr val="accent1"/>
+              </a:fillRef>
+              <a:effectRef idx="0">
+                <a:schemeClr val="accent1"/>
+              </a:effectRef>
+              <a:fontRef idx="minor">
+                <a:schemeClr val="lt1"/>
+              </a:fontRef>
+            </p:style>
+            <p:txBody>
+              <a:bodyPr rtlCol="0" anchor="ctr"/>
+              <a:lstStyle/>
+              <a:p>
+                <a:pPr algn="ctr"/>
+                <a:endParaRPr lang="pt-BR"/>
+              </a:p>
+            </p:txBody>
+          </p:sp>
+          <p:sp>
+            <p:nvSpPr>
+              <p:cNvPr id="89" name="Retângulo 88"/>
+              <p:cNvSpPr/>
+              <p:nvPr/>
+            </p:nvSpPr>
+            <p:spPr>
+              <a:xfrm>
+                <a:off x="6015017" y="2659502"/>
+                <a:ext cx="290252" cy="154012"/>
+              </a:xfrm>
+              <a:prstGeom prst="rect">
+                <a:avLst/>
+              </a:prstGeom>
+              <a:solidFill>
+                <a:schemeClr val="bg1"/>
+              </a:solidFill>
+              <a:ln>
+                <a:noFill/>
+              </a:ln>
+            </p:spPr>
+            <p:style>
+              <a:lnRef idx="2">
+                <a:schemeClr val="accent1">
+                  <a:shade val="50000"/>
+                </a:schemeClr>
+              </a:lnRef>
+              <a:fillRef idx="1">
+                <a:schemeClr val="accent1"/>
+              </a:fillRef>
+              <a:effectRef idx="0">
+                <a:schemeClr val="accent1"/>
+              </a:effectRef>
+              <a:fontRef idx="minor">
+                <a:schemeClr val="lt1"/>
+              </a:fontRef>
+            </p:style>
+            <p:txBody>
+              <a:bodyPr rtlCol="0" anchor="ctr"/>
+              <a:lstStyle/>
+              <a:p>
+                <a:pPr algn="ctr"/>
+                <a:endParaRPr lang="pt-BR"/>
+              </a:p>
+            </p:txBody>
+          </p:sp>
+          <p:sp>
+            <p:nvSpPr>
+              <p:cNvPr id="90" name="Retângulo 89"/>
+              <p:cNvSpPr/>
+              <p:nvPr/>
+            </p:nvSpPr>
+            <p:spPr>
+              <a:xfrm>
+                <a:off x="6067404" y="2892869"/>
+                <a:ext cx="290252" cy="154012"/>
+              </a:xfrm>
+              <a:prstGeom prst="rect">
+                <a:avLst/>
+              </a:prstGeom>
+              <a:solidFill>
+                <a:schemeClr val="bg1"/>
+              </a:solidFill>
+              <a:ln>
+                <a:noFill/>
+              </a:ln>
+            </p:spPr>
+            <p:style>
+              <a:lnRef idx="2">
+                <a:schemeClr val="accent1">
+                  <a:shade val="50000"/>
+                </a:schemeClr>
+              </a:lnRef>
+              <a:fillRef idx="1">
+                <a:schemeClr val="accent1"/>
+              </a:fillRef>
+              <a:effectRef idx="0">
+                <a:schemeClr val="accent1"/>
+              </a:effectRef>
+              <a:fontRef idx="minor">
+                <a:schemeClr val="lt1"/>
+              </a:fontRef>
+            </p:style>
+            <p:txBody>
+              <a:bodyPr rtlCol="0" anchor="ctr"/>
+              <a:lstStyle/>
+              <a:p>
+                <a:pPr algn="ctr"/>
+                <a:endParaRPr lang="pt-BR"/>
+              </a:p>
+            </p:txBody>
+          </p:sp>
+          <p:sp>
+            <p:nvSpPr>
+              <p:cNvPr id="91" name="Retângulo 90"/>
+              <p:cNvSpPr/>
+              <p:nvPr/>
+            </p:nvSpPr>
+            <p:spPr>
+              <a:xfrm>
+                <a:off x="5600668" y="3121473"/>
+                <a:ext cx="290252" cy="154012"/>
+              </a:xfrm>
+              <a:prstGeom prst="rect">
+                <a:avLst/>
+              </a:prstGeom>
+              <a:solidFill>
+                <a:schemeClr val="bg1"/>
+              </a:solidFill>
+              <a:ln>
+                <a:noFill/>
+              </a:ln>
+            </p:spPr>
+            <p:style>
+              <a:lnRef idx="2">
+                <a:schemeClr val="accent1">
+                  <a:shade val="50000"/>
+                </a:schemeClr>
+              </a:lnRef>
+              <a:fillRef idx="1">
+                <a:schemeClr val="accent1"/>
+              </a:fillRef>
+              <a:effectRef idx="0">
+                <a:schemeClr val="accent1"/>
+              </a:effectRef>
+              <a:fontRef idx="minor">
+                <a:schemeClr val="lt1"/>
+              </a:fontRef>
+            </p:style>
+            <p:txBody>
+              <a:bodyPr rtlCol="0" anchor="ctr"/>
+              <a:lstStyle/>
+              <a:p>
+                <a:pPr algn="ctr"/>
+                <a:endParaRPr lang="pt-BR"/>
+              </a:p>
+            </p:txBody>
+          </p:sp>
+          <p:sp>
+            <p:nvSpPr>
+              <p:cNvPr id="92" name="Retângulo 91"/>
+              <p:cNvSpPr/>
+              <p:nvPr/>
+            </p:nvSpPr>
+            <p:spPr>
+              <a:xfrm>
+                <a:off x="5524467" y="3364365"/>
+                <a:ext cx="290252" cy="154012"/>
+              </a:xfrm>
+              <a:prstGeom prst="rect">
+                <a:avLst/>
+              </a:prstGeom>
+              <a:solidFill>
+                <a:schemeClr val="bg1"/>
+              </a:solidFill>
+              <a:ln>
+                <a:noFill/>
+              </a:ln>
+            </p:spPr>
+            <p:style>
+              <a:lnRef idx="2">
+                <a:schemeClr val="accent1">
+                  <a:shade val="50000"/>
+                </a:schemeClr>
+              </a:lnRef>
+              <a:fillRef idx="1">
+                <a:schemeClr val="accent1"/>
+              </a:fillRef>
+              <a:effectRef idx="0">
+                <a:schemeClr val="accent1"/>
+              </a:effectRef>
+              <a:fontRef idx="minor">
+                <a:schemeClr val="lt1"/>
+              </a:fontRef>
+            </p:style>
+            <p:txBody>
+              <a:bodyPr rtlCol="0" anchor="ctr"/>
+              <a:lstStyle/>
+              <a:p>
+                <a:pPr algn="ctr"/>
+                <a:endParaRPr lang="pt-BR"/>
+              </a:p>
+            </p:txBody>
+          </p:sp>
+          <p:sp>
+            <p:nvSpPr>
+              <p:cNvPr id="51" name="Rectangle 2"/>
+              <p:cNvSpPr>
+                <a:spLocks noChangeArrowheads="1"/>
+              </p:cNvSpPr>
+              <p:nvPr/>
+            </p:nvSpPr>
+            <p:spPr bwMode="auto">
+              <a:xfrm>
+                <a:off x="4923292" y="3416126"/>
+                <a:ext cx="841778" cy="153888"/>
+              </a:xfrm>
+              <a:prstGeom prst="rect">
+                <a:avLst/>
+              </a:prstGeom>
+              <a:solidFill>
+                <a:srgbClr val="FFFFFF"/>
+              </a:solidFill>
+              <a:ln>
+                <a:noFill/>
+              </a:ln>
+              <a:effectLst/>
+              <a:extLst>
+                <a:ext uri="{91240B29-F687-4F45-9708-019B960494DF}">
+                  <a14:hiddenLine xmlns:a14="http://schemas.microsoft.com/office/drawing/2010/main" w="9525">
+                    <a:solidFill>
+                      <a:schemeClr val="tx1"/>
+                    </a:solidFill>
+                    <a:miter lim="800000"/>
+                    <a:headEnd/>
+                    <a:tailEnd/>
+                  </a14:hiddenLine>
+                </a:ext>
+                <a:ext uri="{AF507438-7753-43E0-B8FC-AC1667EBCBE1}">
+                  <a14:hiddenEffects xmlns:a14="http://schemas.microsoft.com/office/drawing/2010/main">
+                    <a:effectLst>
+                      <a:outerShdw dist="35921" dir="2700000" algn="ctr" rotWithShape="0">
+                        <a:schemeClr val="bg2"/>
+                      </a:outerShdw>
+                    </a:effectLst>
+                  </a14:hiddenEffects>
+                </a:ext>
+              </a:extLst>
+            </p:spPr>
+            <p:txBody>
+              <a:bodyPr vert="horz" wrap="square" lIns="0" tIns="0" rIns="0" bIns="0" numCol="1" anchor="ctr" anchorCtr="0" compatLnSpc="1">
+                <a:prstTxWarp prst="textNoShape">
+                  <a:avLst/>
+                </a:prstTxWarp>
+                <a:spAutoFit/>
+              </a:bodyPr>
+              <a:lstStyle/>
+              <a:p>
+                <a:pPr marL="0" marR="0" lvl="0" indent="0" algn="l" defTabSz="914400" rtl="0" eaLnBrk="0" fontAlgn="base" latinLnBrk="0" hangingPunct="0">
+                  <a:lnSpc>
+                    <a:spcPct val="100000"/>
+                  </a:lnSpc>
+                  <a:spcBef>
+                    <a:spcPct val="0"/>
+                  </a:spcBef>
+                  <a:spcAft>
+                    <a:spcPct val="0"/>
+                  </a:spcAft>
+                  <a:buClrTx/>
+                  <a:buSzTx/>
+                  <a:buFontTx/>
+                  <a:buNone/>
+                  <a:tabLst/>
+                </a:pPr>
+                <a:r>
+                  <a:rPr lang="pt-BR" altLang="pt-BR" sz="1000" dirty="0" smtClean="0">
+                    <a:solidFill>
+                      <a:schemeClr val="bg1">
+                        <a:lumMod val="50000"/>
+                      </a:schemeClr>
+                    </a:solidFill>
+                    <a:latin typeface="Arial" panose="020B0604020202020204" pitchFamily="34" charset="0"/>
+                    <a:cs typeface="Arial" panose="020B0604020202020204" pitchFamily="34" charset="0"/>
+                  </a:rPr>
+                  <a:t>Escolaridade</a:t>
+                </a:r>
+                <a:endParaRPr lang="pt-BR" altLang="pt-BR" sz="900" dirty="0">
+                  <a:solidFill>
+                    <a:schemeClr val="bg1">
+                      <a:lumMod val="50000"/>
+                    </a:schemeClr>
+                  </a:solidFill>
+                  <a:latin typeface="Arial" panose="020B0604020202020204" pitchFamily="34" charset="0"/>
+                  <a:cs typeface="Arial" panose="020B0604020202020204" pitchFamily="34" charset="0"/>
+                </a:endParaRPr>
+              </a:p>
+            </p:txBody>
+          </p:sp>
+          <p:sp>
+            <p:nvSpPr>
+              <p:cNvPr id="93" name="Retângulo 92"/>
+              <p:cNvSpPr/>
+              <p:nvPr/>
+            </p:nvSpPr>
+            <p:spPr>
+              <a:xfrm>
+                <a:off x="5191086" y="3578675"/>
+                <a:ext cx="290252" cy="154012"/>
+              </a:xfrm>
+              <a:prstGeom prst="rect">
+                <a:avLst/>
+              </a:prstGeom>
+              <a:solidFill>
+                <a:schemeClr val="bg1"/>
+              </a:solidFill>
+              <a:ln>
+                <a:noFill/>
+              </a:ln>
+            </p:spPr>
+            <p:style>
+              <a:lnRef idx="2">
+                <a:schemeClr val="accent1">
+                  <a:shade val="50000"/>
+                </a:schemeClr>
+              </a:lnRef>
+              <a:fillRef idx="1">
+                <a:schemeClr val="accent1"/>
+              </a:fillRef>
+              <a:effectRef idx="0">
+                <a:schemeClr val="accent1"/>
+              </a:effectRef>
+              <a:fontRef idx="minor">
+                <a:schemeClr val="lt1"/>
+              </a:fontRef>
+            </p:style>
+            <p:txBody>
+              <a:bodyPr rtlCol="0" anchor="ctr"/>
+              <a:lstStyle/>
+              <a:p>
+                <a:pPr algn="ctr"/>
+                <a:endParaRPr lang="pt-BR"/>
+              </a:p>
+            </p:txBody>
+          </p:sp>
+          <p:sp>
+            <p:nvSpPr>
+              <p:cNvPr id="94" name="Retângulo 93"/>
+              <p:cNvSpPr/>
+              <p:nvPr/>
+            </p:nvSpPr>
+            <p:spPr>
+              <a:xfrm>
+                <a:off x="6067404" y="3784588"/>
+                <a:ext cx="290252" cy="154012"/>
+              </a:xfrm>
+              <a:prstGeom prst="rect">
+                <a:avLst/>
+              </a:prstGeom>
+              <a:solidFill>
+                <a:schemeClr val="bg1"/>
+              </a:solidFill>
+              <a:ln>
+                <a:noFill/>
+              </a:ln>
+            </p:spPr>
+            <p:style>
+              <a:lnRef idx="2">
+                <a:schemeClr val="accent1">
+                  <a:shade val="50000"/>
+                </a:schemeClr>
+              </a:lnRef>
+              <a:fillRef idx="1">
+                <a:schemeClr val="accent1"/>
+              </a:fillRef>
+              <a:effectRef idx="0">
+                <a:schemeClr val="accent1"/>
+              </a:effectRef>
+              <a:fontRef idx="minor">
+                <a:schemeClr val="lt1"/>
+              </a:fontRef>
+            </p:style>
+            <p:txBody>
+              <a:bodyPr rtlCol="0" anchor="ctr"/>
+              <a:lstStyle/>
+              <a:p>
+                <a:pPr algn="ctr"/>
+                <a:endParaRPr lang="pt-BR"/>
+              </a:p>
+            </p:txBody>
+          </p:sp>
+          <p:sp>
+            <p:nvSpPr>
+              <p:cNvPr id="95" name="Retângulo 94"/>
+              <p:cNvSpPr/>
+              <p:nvPr/>
+            </p:nvSpPr>
+            <p:spPr>
+              <a:xfrm>
+                <a:off x="6056577" y="4030038"/>
+                <a:ext cx="290252" cy="154012"/>
+              </a:xfrm>
+              <a:prstGeom prst="rect">
+                <a:avLst/>
+              </a:prstGeom>
+              <a:solidFill>
+                <a:schemeClr val="bg1"/>
+              </a:solidFill>
+              <a:ln>
+                <a:noFill/>
+              </a:ln>
+            </p:spPr>
+            <p:style>
+              <a:lnRef idx="2">
+                <a:schemeClr val="accent1">
+                  <a:shade val="50000"/>
+                </a:schemeClr>
+              </a:lnRef>
+              <a:fillRef idx="1">
+                <a:schemeClr val="accent1"/>
+              </a:fillRef>
+              <a:effectRef idx="0">
+                <a:schemeClr val="accent1"/>
+              </a:effectRef>
+              <a:fontRef idx="minor">
+                <a:schemeClr val="lt1"/>
+              </a:fontRef>
+            </p:style>
+            <p:txBody>
+              <a:bodyPr rtlCol="0" anchor="ctr"/>
+              <a:lstStyle/>
+              <a:p>
+                <a:pPr algn="ctr"/>
+                <a:endParaRPr lang="pt-BR"/>
+              </a:p>
+            </p:txBody>
+          </p:sp>
+          <p:sp>
+            <p:nvSpPr>
+              <p:cNvPr id="96" name="Retângulo 95"/>
+              <p:cNvSpPr/>
+              <p:nvPr/>
+            </p:nvSpPr>
+            <p:spPr>
+              <a:xfrm>
+                <a:off x="5814719" y="4236105"/>
+                <a:ext cx="290252" cy="154012"/>
+              </a:xfrm>
+              <a:prstGeom prst="rect">
+                <a:avLst/>
+              </a:prstGeom>
+              <a:solidFill>
+                <a:schemeClr val="bg1"/>
+              </a:solidFill>
+              <a:ln>
+                <a:noFill/>
+              </a:ln>
+            </p:spPr>
+            <p:style>
+              <a:lnRef idx="2">
+                <a:schemeClr val="accent1">
+                  <a:shade val="50000"/>
+                </a:schemeClr>
+              </a:lnRef>
+              <a:fillRef idx="1">
+                <a:schemeClr val="accent1"/>
+              </a:fillRef>
+              <a:effectRef idx="0">
+                <a:schemeClr val="accent1"/>
+              </a:effectRef>
+              <a:fontRef idx="minor">
+                <a:schemeClr val="lt1"/>
+              </a:fontRef>
+            </p:style>
+            <p:txBody>
+              <a:bodyPr rtlCol="0" anchor="ctr"/>
+              <a:lstStyle/>
+              <a:p>
+                <a:pPr algn="ctr"/>
+                <a:endParaRPr lang="pt-BR"/>
+              </a:p>
+            </p:txBody>
+          </p:sp>
+          <p:sp>
+            <p:nvSpPr>
+              <p:cNvPr id="97" name="Retângulo 96"/>
+              <p:cNvSpPr/>
+              <p:nvPr/>
+            </p:nvSpPr>
+            <p:spPr>
+              <a:xfrm>
+                <a:off x="5577654" y="4485088"/>
+                <a:ext cx="290252" cy="154012"/>
+              </a:xfrm>
+              <a:prstGeom prst="rect">
+                <a:avLst/>
+              </a:prstGeom>
+              <a:solidFill>
+                <a:schemeClr val="bg1"/>
+              </a:solidFill>
+              <a:ln>
+                <a:noFill/>
+              </a:ln>
+            </p:spPr>
+            <p:style>
+              <a:lnRef idx="2">
+                <a:schemeClr val="accent1">
+                  <a:shade val="50000"/>
+                </a:schemeClr>
+              </a:lnRef>
+              <a:fillRef idx="1">
+                <a:schemeClr val="accent1"/>
+              </a:fillRef>
+              <a:effectRef idx="0">
+                <a:schemeClr val="accent1"/>
+              </a:effectRef>
+              <a:fontRef idx="minor">
+                <a:schemeClr val="lt1"/>
+              </a:fontRef>
+            </p:style>
+            <p:txBody>
+              <a:bodyPr rtlCol="0" anchor="ctr"/>
+              <a:lstStyle/>
+              <a:p>
+                <a:pPr algn="ctr"/>
+                <a:endParaRPr lang="pt-BR"/>
+              </a:p>
+            </p:txBody>
+          </p:sp>
+          <p:sp>
+            <p:nvSpPr>
+              <p:cNvPr id="98" name="Retângulo 97"/>
+              <p:cNvSpPr/>
+              <p:nvPr/>
+            </p:nvSpPr>
+            <p:spPr>
+              <a:xfrm>
+                <a:off x="5769601" y="4709398"/>
+                <a:ext cx="290252" cy="154012"/>
+              </a:xfrm>
+              <a:prstGeom prst="rect">
+                <a:avLst/>
+              </a:prstGeom>
+              <a:solidFill>
+                <a:schemeClr val="bg1"/>
+              </a:solidFill>
+              <a:ln>
+                <a:noFill/>
+              </a:ln>
+            </p:spPr>
+            <p:style>
+              <a:lnRef idx="2">
+                <a:schemeClr val="accent1">
+                  <a:shade val="50000"/>
+                </a:schemeClr>
+              </a:lnRef>
+              <a:fillRef idx="1">
+                <a:schemeClr val="accent1"/>
+              </a:fillRef>
+              <a:effectRef idx="0">
+                <a:schemeClr val="accent1"/>
+              </a:effectRef>
+              <a:fontRef idx="minor">
+                <a:schemeClr val="lt1"/>
+              </a:fontRef>
+            </p:style>
+            <p:txBody>
+              <a:bodyPr rtlCol="0" anchor="ctr"/>
+              <a:lstStyle/>
+              <a:p>
+                <a:pPr algn="ctr"/>
+                <a:endParaRPr lang="pt-BR"/>
+              </a:p>
+            </p:txBody>
+          </p:sp>
+          <p:sp>
+            <p:nvSpPr>
+              <p:cNvPr id="99" name="Retângulo 98"/>
+              <p:cNvSpPr/>
+              <p:nvPr/>
+            </p:nvSpPr>
+            <p:spPr>
+              <a:xfrm>
+                <a:off x="5765050" y="4934075"/>
+                <a:ext cx="290252" cy="154012"/>
+              </a:xfrm>
+              <a:prstGeom prst="rect">
+                <a:avLst/>
+              </a:prstGeom>
+              <a:solidFill>
+                <a:schemeClr val="bg1"/>
+              </a:solidFill>
+              <a:ln>
+                <a:noFill/>
+              </a:ln>
+            </p:spPr>
+            <p:style>
+              <a:lnRef idx="2">
+                <a:schemeClr val="accent1">
+                  <a:shade val="50000"/>
+                </a:schemeClr>
+              </a:lnRef>
+              <a:fillRef idx="1">
+                <a:schemeClr val="accent1"/>
+              </a:fillRef>
+              <a:effectRef idx="0">
+                <a:schemeClr val="accent1"/>
+              </a:effectRef>
+              <a:fontRef idx="minor">
+                <a:schemeClr val="lt1"/>
+              </a:fontRef>
+            </p:style>
+            <p:txBody>
+              <a:bodyPr rtlCol="0" anchor="ctr"/>
+              <a:lstStyle/>
+              <a:p>
+                <a:pPr algn="ctr"/>
+                <a:endParaRPr lang="pt-BR"/>
+              </a:p>
+            </p:txBody>
+          </p:sp>
+          <p:sp>
+            <p:nvSpPr>
+              <p:cNvPr id="100" name="Retângulo 99"/>
+              <p:cNvSpPr/>
+              <p:nvPr/>
+            </p:nvSpPr>
+            <p:spPr>
+              <a:xfrm>
+                <a:off x="5765050" y="5158877"/>
+                <a:ext cx="290252" cy="154012"/>
+              </a:xfrm>
+              <a:prstGeom prst="rect">
+                <a:avLst/>
+              </a:prstGeom>
+              <a:solidFill>
+                <a:schemeClr val="bg1"/>
+              </a:solidFill>
+              <a:ln>
+                <a:noFill/>
+              </a:ln>
+            </p:spPr>
+            <p:style>
+              <a:lnRef idx="2">
+                <a:schemeClr val="accent1">
+                  <a:shade val="50000"/>
+                </a:schemeClr>
+              </a:lnRef>
+              <a:fillRef idx="1">
+                <a:schemeClr val="accent1"/>
+              </a:fillRef>
+              <a:effectRef idx="0">
+                <a:schemeClr val="accent1"/>
+              </a:effectRef>
+              <a:fontRef idx="minor">
+                <a:schemeClr val="lt1"/>
+              </a:fontRef>
+            </p:style>
+            <p:txBody>
+              <a:bodyPr rtlCol="0" anchor="ctr"/>
+              <a:lstStyle/>
+              <a:p>
+                <a:pPr algn="ctr"/>
+                <a:endParaRPr lang="pt-BR"/>
+              </a:p>
+            </p:txBody>
+          </p:sp>
+          <p:sp>
+            <p:nvSpPr>
+              <p:cNvPr id="101" name="Retângulo 100"/>
+              <p:cNvSpPr/>
+              <p:nvPr/>
+            </p:nvSpPr>
+            <p:spPr>
+              <a:xfrm>
+                <a:off x="5752477" y="5381847"/>
+                <a:ext cx="290252" cy="154012"/>
+              </a:xfrm>
+              <a:prstGeom prst="rect">
+                <a:avLst/>
+              </a:prstGeom>
+              <a:solidFill>
+                <a:schemeClr val="bg1"/>
+              </a:solidFill>
+              <a:ln>
+                <a:noFill/>
+              </a:ln>
+            </p:spPr>
+            <p:style>
+              <a:lnRef idx="2">
+                <a:schemeClr val="accent1">
+                  <a:shade val="50000"/>
+                </a:schemeClr>
+              </a:lnRef>
+              <a:fillRef idx="1">
+                <a:schemeClr val="accent1"/>
+              </a:fillRef>
+              <a:effectRef idx="0">
+                <a:schemeClr val="accent1"/>
+              </a:effectRef>
+              <a:fontRef idx="minor">
+                <a:schemeClr val="lt1"/>
+              </a:fontRef>
+            </p:style>
+            <p:txBody>
+              <a:bodyPr rtlCol="0" anchor="ctr"/>
+              <a:lstStyle/>
+              <a:p>
+                <a:pPr algn="ctr"/>
+                <a:endParaRPr lang="pt-BR"/>
+              </a:p>
+            </p:txBody>
+          </p:sp>
+          <p:sp>
+            <p:nvSpPr>
+              <p:cNvPr id="102" name="Retângulo 101"/>
+              <p:cNvSpPr/>
+              <p:nvPr/>
+            </p:nvSpPr>
+            <p:spPr>
+              <a:xfrm>
+                <a:off x="5959583" y="5589427"/>
+                <a:ext cx="290252" cy="154012"/>
+              </a:xfrm>
+              <a:prstGeom prst="rect">
+                <a:avLst/>
+              </a:prstGeom>
+              <a:solidFill>
+                <a:schemeClr val="bg1"/>
+              </a:solidFill>
+              <a:ln>
+                <a:noFill/>
+              </a:ln>
+            </p:spPr>
+            <p:style>
+              <a:lnRef idx="2">
+                <a:schemeClr val="accent1">
+                  <a:shade val="50000"/>
+                </a:schemeClr>
+              </a:lnRef>
+              <a:fillRef idx="1">
+                <a:schemeClr val="accent1"/>
+              </a:fillRef>
+              <a:effectRef idx="0">
+                <a:schemeClr val="accent1"/>
+              </a:effectRef>
+              <a:fontRef idx="minor">
+                <a:schemeClr val="lt1"/>
+              </a:fontRef>
+            </p:style>
+            <p:txBody>
+              <a:bodyPr rtlCol="0" anchor="ctr"/>
+              <a:lstStyle/>
+              <a:p>
+                <a:pPr algn="ctr"/>
+                <a:endParaRPr lang="pt-BR"/>
+              </a:p>
+            </p:txBody>
+          </p:sp>
+          <p:sp>
+            <p:nvSpPr>
+              <p:cNvPr id="103" name="Retângulo 102"/>
+              <p:cNvSpPr/>
+              <p:nvPr/>
+            </p:nvSpPr>
+            <p:spPr>
+              <a:xfrm>
+                <a:off x="5913690" y="5801695"/>
+                <a:ext cx="290252" cy="154012"/>
+              </a:xfrm>
+              <a:prstGeom prst="rect">
+                <a:avLst/>
+              </a:prstGeom>
+              <a:solidFill>
+                <a:schemeClr val="bg1"/>
+              </a:solidFill>
+              <a:ln>
+                <a:noFill/>
+              </a:ln>
+            </p:spPr>
+            <p:style>
+              <a:lnRef idx="2">
+                <a:schemeClr val="accent1">
+                  <a:shade val="50000"/>
+                </a:schemeClr>
+              </a:lnRef>
+              <a:fillRef idx="1">
+                <a:schemeClr val="accent1"/>
+              </a:fillRef>
+              <a:effectRef idx="0">
+                <a:schemeClr val="accent1"/>
+              </a:effectRef>
+              <a:fontRef idx="minor">
+                <a:schemeClr val="lt1"/>
+              </a:fontRef>
+            </p:style>
+            <p:txBody>
+              <a:bodyPr rtlCol="0" anchor="ctr"/>
+              <a:lstStyle/>
+              <a:p>
+                <a:pPr algn="ctr"/>
+                <a:endParaRPr lang="pt-BR"/>
+              </a:p>
+            </p:txBody>
+          </p:sp>
+          <p:sp>
+            <p:nvSpPr>
+              <p:cNvPr id="104" name="Retângulo 103"/>
+              <p:cNvSpPr/>
+              <p:nvPr/>
+            </p:nvSpPr>
+            <p:spPr>
+              <a:xfrm>
+                <a:off x="6099926" y="6049450"/>
+                <a:ext cx="290252" cy="154012"/>
+              </a:xfrm>
+              <a:prstGeom prst="rect">
+                <a:avLst/>
+              </a:prstGeom>
+              <a:solidFill>
+                <a:schemeClr val="bg1"/>
+              </a:solidFill>
+              <a:ln>
+                <a:noFill/>
+              </a:ln>
+            </p:spPr>
+            <p:style>
+              <a:lnRef idx="2">
+                <a:schemeClr val="accent1">
+                  <a:shade val="50000"/>
+                </a:schemeClr>
+              </a:lnRef>
+              <a:fillRef idx="1">
+                <a:schemeClr val="accent1"/>
+              </a:fillRef>
+              <a:effectRef idx="0">
+                <a:schemeClr val="accent1"/>
+              </a:effectRef>
+              <a:fontRef idx="minor">
+                <a:schemeClr val="lt1"/>
+              </a:fontRef>
+            </p:style>
+            <p:txBody>
+              <a:bodyPr rtlCol="0" anchor="ctr"/>
+              <a:lstStyle/>
+              <a:p>
+                <a:pPr algn="ctr"/>
+                <a:endParaRPr lang="pt-BR"/>
+              </a:p>
+            </p:txBody>
+          </p:sp>
+        </p:grpSp>
+      </p:grpSp>
+    </p:spTree>
+    <p:extLst>
+      <p:ext uri="{BB962C8B-B14F-4D97-AF65-F5344CB8AC3E}">
+        <p14:creationId xmlns:p14="http://schemas.microsoft.com/office/powerpoint/2010/main" val="3677610571"/>
+      </p:ext>
+    </p:extLst>
+  </p:cSld>
+  <p:clrMapOvr>
+    <a:masterClrMapping/>
+  </p:clrMapOvr>
+</p:sld>
+</file>
+
+<file path=ppt/slides/slide4.xml><?xml version="1.0" encoding="utf-8"?>
+<p:sld xmlns:a="http://schemas.openxmlformats.org/drawingml/2006/main" xmlns:r="http://schemas.openxmlformats.org/officeDocument/2006/relationships" xmlns:p="http://schemas.openxmlformats.org/presentationml/2006/main">
+  <p:cSld>
+    <p:bg>
+      <p:bgPr>
+        <a:solidFill>
+          <a:schemeClr val="tx1"/>
+        </a:solidFill>
+        <a:effectLst/>
+      </p:bgPr>
+    </p:bg>
+    <p:spTree>
+      <p:nvGrpSpPr>
+        <p:cNvPr id="1" name=""/>
+        <p:cNvGrpSpPr/>
+        <p:nvPr/>
+      </p:nvGrpSpPr>
+      <p:grpSpPr>
+        <a:xfrm>
+          <a:off x="0" y="0"/>
+          <a:ext cx="0" cy="0"/>
+          <a:chOff x="0" y="0"/>
+          <a:chExt cx="0" cy="0"/>
+        </a:xfrm>
+      </p:grpSpPr>
+      <p:grpSp>
+        <p:nvGrpSpPr>
+          <p:cNvPr id="25" name="Agrupar 24"/>
+          <p:cNvGrpSpPr/>
+          <p:nvPr/>
+        </p:nvGrpSpPr>
+        <p:grpSpPr>
+          <a:xfrm>
+            <a:off x="4478026" y="369121"/>
+            <a:ext cx="7271466" cy="6308021"/>
+            <a:chOff x="4478026" y="369121"/>
+            <a:chExt cx="7271466" cy="6308021"/>
+          </a:xfrm>
+        </p:grpSpPr>
+        <p:sp>
+          <p:nvSpPr>
+            <p:cNvPr id="24" name="Retângulo 23"/>
+            <p:cNvSpPr/>
+            <p:nvPr/>
+          </p:nvSpPr>
+          <p:spPr>
+            <a:xfrm>
+              <a:off x="4478026" y="369121"/>
+              <a:ext cx="7271466" cy="6308021"/>
+            </a:xfrm>
+            <a:prstGeom prst="rect">
+              <a:avLst/>
+            </a:prstGeom>
+            <a:solidFill>
+              <a:schemeClr val="bg1"/>
+            </a:solidFill>
+            <a:ln>
+              <a:noFill/>
+            </a:ln>
+          </p:spPr>
+          <p:style>
+            <a:lnRef idx="2">
+              <a:schemeClr val="accent1">
+                <a:shade val="50000"/>
+              </a:schemeClr>
+            </a:lnRef>
+            <a:fillRef idx="1">
+              <a:schemeClr val="accent1"/>
+            </a:fillRef>
+            <a:effectRef idx="0">
+              <a:schemeClr val="accent1"/>
+            </a:effectRef>
+            <a:fontRef idx="minor">
+              <a:schemeClr val="lt1"/>
+            </a:fontRef>
+          </p:style>
+          <p:txBody>
+            <a:bodyPr rtlCol="0" anchor="ctr"/>
+            <a:lstStyle/>
+            <a:p>
+              <a:pPr algn="ctr"/>
+              <a:endParaRPr lang="pt-BR"/>
+            </a:p>
+          </p:txBody>
+        </p:sp>
+        <p:grpSp>
+          <p:nvGrpSpPr>
+            <p:cNvPr id="19" name="Agrupar 18"/>
+            <p:cNvGrpSpPr/>
+            <p:nvPr/>
+          </p:nvGrpSpPr>
+          <p:grpSpPr>
+            <a:xfrm>
+              <a:off x="5631161" y="464458"/>
+              <a:ext cx="6117348" cy="6117348"/>
+              <a:chOff x="5631161" y="464458"/>
+              <a:chExt cx="6117348" cy="6117348"/>
+            </a:xfrm>
+          </p:grpSpPr>
+          <p:pic>
+            <p:nvPicPr>
+              <p:cNvPr id="8" name="Imagem 7"/>
+              <p:cNvPicPr>
+                <a:picLocks noChangeAspect="1"/>
+              </p:cNvPicPr>
+              <p:nvPr/>
+            </p:nvPicPr>
+            <p:blipFill>
+              <a:blip r:embed="rId2" cstate="print">
+                <a:extLst>
+                  <a:ext uri="{28A0092B-C50C-407E-A947-70E740481C1C}">
+                    <a14:useLocalDpi xmlns:a14="http://schemas.microsoft.com/office/drawing/2010/main" val="0"/>
+                  </a:ext>
+                </a:extLst>
+              </a:blip>
+              <a:stretch>
+                <a:fillRect/>
+              </a:stretch>
+            </p:blipFill>
+            <p:spPr>
+              <a:xfrm>
+                <a:off x="5631161" y="464458"/>
+                <a:ext cx="6117348" cy="6117348"/>
+              </a:xfrm>
+              <a:prstGeom prst="rect">
+                <a:avLst/>
+              </a:prstGeom>
+            </p:spPr>
+          </p:pic>
+          <p:sp>
+            <p:nvSpPr>
+              <p:cNvPr id="30" name="Retângulo 29"/>
+              <p:cNvSpPr/>
+              <p:nvPr/>
+            </p:nvSpPr>
+            <p:spPr>
+              <a:xfrm>
+                <a:off x="6256142" y="686260"/>
+                <a:ext cx="290252" cy="154012"/>
+              </a:xfrm>
+              <a:prstGeom prst="rect">
+                <a:avLst/>
+              </a:prstGeom>
+              <a:solidFill>
+                <a:schemeClr val="bg1"/>
+              </a:solidFill>
+              <a:ln>
+                <a:noFill/>
+              </a:ln>
+            </p:spPr>
+            <p:style>
+              <a:lnRef idx="2">
+                <a:schemeClr val="accent1">
+                  <a:shade val="50000"/>
+                </a:schemeClr>
+              </a:lnRef>
+              <a:fillRef idx="1">
+                <a:schemeClr val="accent1"/>
+              </a:fillRef>
+              <a:effectRef idx="0">
+                <a:schemeClr val="accent1"/>
+              </a:effectRef>
+              <a:fontRef idx="minor">
+                <a:schemeClr val="lt1"/>
+              </a:fontRef>
+            </p:style>
+            <p:txBody>
+              <a:bodyPr rtlCol="0" anchor="ctr"/>
+              <a:lstStyle/>
+              <a:p>
+                <a:pPr algn="ctr"/>
+                <a:endParaRPr lang="pt-BR"/>
+              </a:p>
+            </p:txBody>
+          </p:sp>
+          <p:grpSp>
+            <p:nvGrpSpPr>
+              <p:cNvPr id="11" name="Agrupar 10"/>
+              <p:cNvGrpSpPr/>
+              <p:nvPr/>
+            </p:nvGrpSpPr>
+            <p:grpSpPr>
+              <a:xfrm>
+                <a:off x="5767303" y="1140247"/>
+                <a:ext cx="995217" cy="4430338"/>
+                <a:chOff x="5767303" y="1140247"/>
+                <a:chExt cx="995217" cy="4430338"/>
+              </a:xfrm>
+            </p:grpSpPr>
+            <p:sp>
+              <p:nvSpPr>
+                <p:cNvPr id="33" name="Retângulo 32"/>
+                <p:cNvSpPr/>
+                <p:nvPr/>
+              </p:nvSpPr>
+              <p:spPr>
+                <a:xfrm>
+                  <a:off x="6472268" y="1140247"/>
+                  <a:ext cx="290252" cy="154012"/>
+                </a:xfrm>
+                <a:prstGeom prst="rect">
+                  <a:avLst/>
+                </a:prstGeom>
+                <a:solidFill>
+                  <a:schemeClr val="bg1"/>
+                </a:solidFill>
+                <a:ln>
+                  <a:noFill/>
+                </a:ln>
+              </p:spPr>
+              <p:style>
+                <a:lnRef idx="2">
+                  <a:schemeClr val="accent1">
+                    <a:shade val="50000"/>
+                  </a:schemeClr>
+                </a:lnRef>
+                <a:fillRef idx="1">
+                  <a:schemeClr val="accent1"/>
+                </a:fillRef>
+                <a:effectRef idx="0">
+                  <a:schemeClr val="accent1"/>
+                </a:effectRef>
+                <a:fontRef idx="minor">
+                  <a:schemeClr val="lt1"/>
+                </a:fontRef>
+              </p:style>
+              <p:txBody>
+                <a:bodyPr rtlCol="0" anchor="ctr"/>
+                <a:lstStyle/>
+                <a:p>
+                  <a:pPr algn="ctr"/>
+                  <a:endParaRPr lang="pt-BR"/>
+                </a:p>
+              </p:txBody>
+            </p:sp>
+            <p:sp>
+              <p:nvSpPr>
+                <p:cNvPr id="35" name="Retângulo 34"/>
+                <p:cNvSpPr/>
+                <p:nvPr/>
+              </p:nvSpPr>
+              <p:spPr>
+                <a:xfrm>
+                  <a:off x="6414920" y="1556986"/>
+                  <a:ext cx="290252" cy="154012"/>
+                </a:xfrm>
+                <a:prstGeom prst="rect">
+                  <a:avLst/>
+                </a:prstGeom>
+                <a:solidFill>
+                  <a:schemeClr val="bg1"/>
+                </a:solidFill>
+                <a:ln>
+                  <a:noFill/>
+                </a:ln>
+              </p:spPr>
+              <p:style>
+                <a:lnRef idx="2">
+                  <a:schemeClr val="accent1">
+                    <a:shade val="50000"/>
+                  </a:schemeClr>
+                </a:lnRef>
+                <a:fillRef idx="1">
+                  <a:schemeClr val="accent1"/>
+                </a:fillRef>
+                <a:effectRef idx="0">
+                  <a:schemeClr val="accent1"/>
+                </a:effectRef>
+                <a:fontRef idx="minor">
+                  <a:schemeClr val="lt1"/>
+                </a:fontRef>
+              </p:style>
+              <p:txBody>
+                <a:bodyPr rtlCol="0" anchor="ctr"/>
+                <a:lstStyle/>
+                <a:p>
+                  <a:pPr algn="ctr"/>
+                  <a:endParaRPr lang="pt-BR"/>
+                </a:p>
+              </p:txBody>
+            </p:sp>
+            <p:sp>
+              <p:nvSpPr>
+                <p:cNvPr id="36" name="Retângulo 35"/>
+                <p:cNvSpPr/>
+                <p:nvPr/>
+              </p:nvSpPr>
+              <p:spPr>
+                <a:xfrm>
+                  <a:off x="6269794" y="1987866"/>
+                  <a:ext cx="290252" cy="154012"/>
+                </a:xfrm>
+                <a:prstGeom prst="rect">
+                  <a:avLst/>
+                </a:prstGeom>
+                <a:solidFill>
+                  <a:schemeClr val="bg1"/>
+                </a:solidFill>
+                <a:ln>
+                  <a:noFill/>
+                </a:ln>
+              </p:spPr>
+              <p:style>
+                <a:lnRef idx="2">
+                  <a:schemeClr val="accent1">
+                    <a:shade val="50000"/>
+                  </a:schemeClr>
+                </a:lnRef>
+                <a:fillRef idx="1">
+                  <a:schemeClr val="accent1"/>
+                </a:fillRef>
+                <a:effectRef idx="0">
+                  <a:schemeClr val="accent1"/>
+                </a:effectRef>
+                <a:fontRef idx="minor">
+                  <a:schemeClr val="lt1"/>
+                </a:fontRef>
+              </p:style>
+              <p:txBody>
+                <a:bodyPr rtlCol="0" anchor="ctr"/>
+                <a:lstStyle/>
+                <a:p>
+                  <a:pPr algn="ctr"/>
+                  <a:endParaRPr lang="pt-BR"/>
+                </a:p>
+              </p:txBody>
+            </p:sp>
+            <p:sp>
+              <p:nvSpPr>
+                <p:cNvPr id="37" name="Retângulo 36"/>
+                <p:cNvSpPr/>
+                <p:nvPr/>
+              </p:nvSpPr>
+              <p:spPr>
+                <a:xfrm>
+                  <a:off x="5767303" y="2390831"/>
+                  <a:ext cx="290252" cy="154012"/>
+                </a:xfrm>
+                <a:prstGeom prst="rect">
+                  <a:avLst/>
+                </a:prstGeom>
+                <a:solidFill>
+                  <a:schemeClr val="bg1"/>
+                </a:solidFill>
+                <a:ln>
+                  <a:noFill/>
+                </a:ln>
+              </p:spPr>
+              <p:style>
+                <a:lnRef idx="2">
+                  <a:schemeClr val="accent1">
+                    <a:shade val="50000"/>
+                  </a:schemeClr>
+                </a:lnRef>
+                <a:fillRef idx="1">
+                  <a:schemeClr val="accent1"/>
+                </a:fillRef>
+                <a:effectRef idx="0">
+                  <a:schemeClr val="accent1"/>
+                </a:effectRef>
+                <a:fontRef idx="minor">
+                  <a:schemeClr val="lt1"/>
+                </a:fontRef>
+              </p:style>
+              <p:txBody>
+                <a:bodyPr rtlCol="0" anchor="ctr"/>
+                <a:lstStyle/>
+                <a:p>
+                  <a:pPr algn="ctr"/>
+                  <a:endParaRPr lang="pt-BR"/>
+                </a:p>
+              </p:txBody>
+            </p:sp>
+            <p:sp>
+              <p:nvSpPr>
+                <p:cNvPr id="38" name="Retângulo 37"/>
+                <p:cNvSpPr/>
+                <p:nvPr/>
+              </p:nvSpPr>
+              <p:spPr>
+                <a:xfrm>
+                  <a:off x="5985098" y="3269298"/>
+                  <a:ext cx="290252" cy="154012"/>
+                </a:xfrm>
+                <a:prstGeom prst="rect">
+                  <a:avLst/>
+                </a:prstGeom>
+                <a:solidFill>
+                  <a:schemeClr val="bg1"/>
+                </a:solidFill>
+                <a:ln>
+                  <a:noFill/>
+                </a:ln>
+              </p:spPr>
+              <p:style>
+                <a:lnRef idx="2">
+                  <a:schemeClr val="accent1">
+                    <a:shade val="50000"/>
+                  </a:schemeClr>
+                </a:lnRef>
+                <a:fillRef idx="1">
+                  <a:schemeClr val="accent1"/>
+                </a:fillRef>
+                <a:effectRef idx="0">
+                  <a:schemeClr val="accent1"/>
+                </a:effectRef>
+                <a:fontRef idx="minor">
+                  <a:schemeClr val="lt1"/>
+                </a:fontRef>
+              </p:style>
+              <p:txBody>
+                <a:bodyPr rtlCol="0" anchor="ctr"/>
+                <a:lstStyle/>
+                <a:p>
+                  <a:pPr algn="ctr"/>
+                  <a:endParaRPr lang="pt-BR"/>
+                </a:p>
+              </p:txBody>
+            </p:sp>
+            <p:sp>
+              <p:nvSpPr>
+                <p:cNvPr id="39" name="Retângulo 38"/>
+                <p:cNvSpPr/>
+                <p:nvPr/>
+              </p:nvSpPr>
+              <p:spPr>
+                <a:xfrm>
+                  <a:off x="6171499" y="3716020"/>
+                  <a:ext cx="290252" cy="154012"/>
+                </a:xfrm>
+                <a:prstGeom prst="rect">
+                  <a:avLst/>
+                </a:prstGeom>
+                <a:solidFill>
+                  <a:schemeClr val="bg1"/>
+                </a:solidFill>
+                <a:ln>
+                  <a:noFill/>
+                </a:ln>
+              </p:spPr>
+              <p:style>
+                <a:lnRef idx="2">
+                  <a:schemeClr val="accent1">
+                    <a:shade val="50000"/>
+                  </a:schemeClr>
+                </a:lnRef>
+                <a:fillRef idx="1">
+                  <a:schemeClr val="accent1"/>
+                </a:fillRef>
+                <a:effectRef idx="0">
+                  <a:schemeClr val="accent1"/>
+                </a:effectRef>
+                <a:fontRef idx="minor">
+                  <a:schemeClr val="lt1"/>
+                </a:fontRef>
+              </p:style>
+              <p:txBody>
+                <a:bodyPr rtlCol="0" anchor="ctr"/>
+                <a:lstStyle/>
+                <a:p>
+                  <a:pPr algn="ctr"/>
+                  <a:endParaRPr lang="pt-BR"/>
+                </a:p>
+              </p:txBody>
+            </p:sp>
+            <p:sp>
+              <p:nvSpPr>
+                <p:cNvPr id="40" name="Retângulo 39"/>
+                <p:cNvSpPr/>
+                <p:nvPr/>
+              </p:nvSpPr>
+              <p:spPr>
+                <a:xfrm>
+                  <a:off x="6394254" y="4161589"/>
+                  <a:ext cx="290252" cy="154012"/>
+                </a:xfrm>
+                <a:prstGeom prst="rect">
+                  <a:avLst/>
+                </a:prstGeom>
+                <a:solidFill>
+                  <a:schemeClr val="bg1"/>
+                </a:solidFill>
+                <a:ln>
+                  <a:noFill/>
+                </a:ln>
+              </p:spPr>
+              <p:style>
+                <a:lnRef idx="2">
+                  <a:schemeClr val="accent1">
+                    <a:shade val="50000"/>
+                  </a:schemeClr>
+                </a:lnRef>
+                <a:fillRef idx="1">
+                  <a:schemeClr val="accent1"/>
+                </a:fillRef>
+                <a:effectRef idx="0">
+                  <a:schemeClr val="accent1"/>
+                </a:effectRef>
+                <a:fontRef idx="minor">
+                  <a:schemeClr val="lt1"/>
+                </a:fontRef>
+              </p:style>
+              <p:txBody>
+                <a:bodyPr rtlCol="0" anchor="ctr"/>
+                <a:lstStyle/>
+                <a:p>
+                  <a:pPr algn="ctr"/>
+                  <a:endParaRPr lang="pt-BR"/>
+                </a:p>
+              </p:txBody>
+            </p:sp>
+            <p:sp>
+              <p:nvSpPr>
+                <p:cNvPr id="41" name="Retângulo 40"/>
+                <p:cNvSpPr/>
+                <p:nvPr/>
+              </p:nvSpPr>
+              <p:spPr>
+                <a:xfrm>
+                  <a:off x="5910319" y="4565148"/>
+                  <a:ext cx="290252" cy="154012"/>
+                </a:xfrm>
+                <a:prstGeom prst="rect">
+                  <a:avLst/>
+                </a:prstGeom>
+                <a:solidFill>
+                  <a:schemeClr val="bg1"/>
+                </a:solidFill>
+                <a:ln>
+                  <a:noFill/>
+                </a:ln>
+              </p:spPr>
+              <p:style>
+                <a:lnRef idx="2">
+                  <a:schemeClr val="accent1">
+                    <a:shade val="50000"/>
+                  </a:schemeClr>
+                </a:lnRef>
+                <a:fillRef idx="1">
+                  <a:schemeClr val="accent1"/>
+                </a:fillRef>
+                <a:effectRef idx="0">
+                  <a:schemeClr val="accent1"/>
+                </a:effectRef>
+                <a:fontRef idx="minor">
+                  <a:schemeClr val="lt1"/>
+                </a:fontRef>
+              </p:style>
+              <p:txBody>
+                <a:bodyPr rtlCol="0" anchor="ctr"/>
+                <a:lstStyle/>
+                <a:p>
+                  <a:pPr algn="ctr"/>
+                  <a:endParaRPr lang="pt-BR"/>
+                </a:p>
+              </p:txBody>
+            </p:sp>
+            <p:sp>
+              <p:nvSpPr>
+                <p:cNvPr id="42" name="Retângulo 41"/>
+                <p:cNvSpPr/>
+                <p:nvPr/>
+              </p:nvSpPr>
+              <p:spPr>
+                <a:xfrm>
+                  <a:off x="5879327" y="5013442"/>
+                  <a:ext cx="290252" cy="154012"/>
+                </a:xfrm>
+                <a:prstGeom prst="rect">
+                  <a:avLst/>
+                </a:prstGeom>
+                <a:solidFill>
+                  <a:schemeClr val="bg1"/>
+                </a:solidFill>
+                <a:ln>
+                  <a:noFill/>
+                </a:ln>
+              </p:spPr>
+              <p:style>
+                <a:lnRef idx="2">
+                  <a:schemeClr val="accent1">
+                    <a:shade val="50000"/>
+                  </a:schemeClr>
+                </a:lnRef>
+                <a:fillRef idx="1">
+                  <a:schemeClr val="accent1"/>
+                </a:fillRef>
+                <a:effectRef idx="0">
+                  <a:schemeClr val="accent1"/>
+                </a:effectRef>
+                <a:fontRef idx="minor">
+                  <a:schemeClr val="lt1"/>
+                </a:fontRef>
+              </p:style>
+              <p:txBody>
+                <a:bodyPr rtlCol="0" anchor="ctr"/>
+                <a:lstStyle/>
+                <a:p>
+                  <a:pPr algn="ctr"/>
+                  <a:endParaRPr lang="pt-BR"/>
+                </a:p>
+              </p:txBody>
+            </p:sp>
+            <p:sp>
+              <p:nvSpPr>
+                <p:cNvPr id="43" name="Retângulo 42"/>
+                <p:cNvSpPr/>
+                <p:nvPr/>
+              </p:nvSpPr>
+              <p:spPr>
+                <a:xfrm>
+                  <a:off x="5933358" y="5416573"/>
+                  <a:ext cx="290252" cy="154012"/>
+                </a:xfrm>
+                <a:prstGeom prst="rect">
+                  <a:avLst/>
+                </a:prstGeom>
+                <a:solidFill>
+                  <a:schemeClr val="bg1"/>
+                </a:solidFill>
+                <a:ln>
+                  <a:noFill/>
+                </a:ln>
+              </p:spPr>
+              <p:style>
+                <a:lnRef idx="2">
+                  <a:schemeClr val="accent1">
+                    <a:shade val="50000"/>
+                  </a:schemeClr>
+                </a:lnRef>
+                <a:fillRef idx="1">
+                  <a:schemeClr val="accent1"/>
+                </a:fillRef>
+                <a:effectRef idx="0">
+                  <a:schemeClr val="accent1"/>
+                </a:effectRef>
+                <a:fontRef idx="minor">
+                  <a:schemeClr val="lt1"/>
+                </a:fontRef>
+              </p:style>
+              <p:txBody>
+                <a:bodyPr rtlCol="0" anchor="ctr"/>
+                <a:lstStyle/>
+                <a:p>
+                  <a:pPr algn="ctr"/>
+                  <a:endParaRPr lang="pt-BR"/>
+                </a:p>
+              </p:txBody>
+            </p:sp>
+          </p:grpSp>
+        </p:grpSp>
+        <p:sp>
+          <p:nvSpPr>
+            <p:cNvPr id="7" name="CaixaDeTexto 6"/>
+            <p:cNvSpPr txBox="1"/>
+            <p:nvPr/>
+          </p:nvSpPr>
+          <p:spPr>
+            <a:xfrm>
+              <a:off x="5570761" y="1252434"/>
+              <a:ext cx="828675" cy="230832"/>
+            </a:xfrm>
+            <a:prstGeom prst="rect">
+              <a:avLst/>
+            </a:prstGeom>
+            <a:noFill/>
+          </p:spPr>
+          <p:txBody>
+            <a:bodyPr wrap="square" rtlCol="0">
+              <a:spAutoFit/>
+            </a:bodyPr>
+            <a:lstStyle/>
+            <a:p>
+              <a:r>
+                <a:rPr lang="pt-BR" sz="900" dirty="0" smtClean="0">
+                  <a:solidFill>
+                    <a:schemeClr val="bg1">
+                      <a:lumMod val="50000"/>
+                    </a:schemeClr>
+                  </a:solidFill>
+                  <a:latin typeface="Arial" panose="020B0604020202020204" pitchFamily="34" charset="0"/>
+                  <a:cs typeface="Arial" panose="020B0604020202020204" pitchFamily="34" charset="0"/>
+                </a:rPr>
+                <a:t>Ideologia</a:t>
+              </a:r>
+              <a:endParaRPr lang="pt-BR" sz="1100" dirty="0">
+                <a:solidFill>
+                  <a:schemeClr val="bg1">
+                    <a:lumMod val="50000"/>
+                  </a:schemeClr>
+                </a:solidFill>
+                <a:latin typeface="Arial" panose="020B0604020202020204" pitchFamily="34" charset="0"/>
+                <a:cs typeface="Arial" panose="020B0604020202020204" pitchFamily="34" charset="0"/>
+              </a:endParaRPr>
+            </a:p>
+          </p:txBody>
+        </p:sp>
+        <p:cxnSp>
+          <p:nvCxnSpPr>
+            <p:cNvPr id="9" name="Conector reto 8"/>
+            <p:cNvCxnSpPr/>
+            <p:nvPr/>
+          </p:nvCxnSpPr>
+          <p:spPr>
+            <a:xfrm flipH="1">
+              <a:off x="5375854" y="2281749"/>
+              <a:ext cx="1697832" cy="59"/>
+            </a:xfrm>
+            <a:prstGeom prst="line">
+              <a:avLst/>
+            </a:prstGeom>
+            <a:ln>
+              <a:solidFill>
+                <a:schemeClr val="bg1">
+                  <a:lumMod val="50000"/>
+                </a:schemeClr>
+              </a:solidFill>
+            </a:ln>
+          </p:spPr>
+          <p:style>
+            <a:lnRef idx="1">
+              <a:schemeClr val="accent1"/>
+            </a:lnRef>
+            <a:fillRef idx="0">
+              <a:schemeClr val="accent1"/>
+            </a:fillRef>
+            <a:effectRef idx="0">
+              <a:schemeClr val="accent1"/>
+            </a:effectRef>
+            <a:fontRef idx="minor">
+              <a:schemeClr val="tx1"/>
+            </a:fontRef>
+          </p:style>
+        </p:cxnSp>
+        <p:cxnSp>
+          <p:nvCxnSpPr>
+            <p:cNvPr id="17" name="Conector reto 16"/>
+            <p:cNvCxnSpPr/>
+            <p:nvPr/>
+          </p:nvCxnSpPr>
+          <p:spPr>
+            <a:xfrm flipH="1">
+              <a:off x="5461284" y="3599032"/>
+              <a:ext cx="1697832" cy="59"/>
+            </a:xfrm>
+            <a:prstGeom prst="line">
+              <a:avLst/>
+            </a:prstGeom>
+            <a:ln>
+              <a:solidFill>
+                <a:schemeClr val="bg1">
+                  <a:lumMod val="50000"/>
+                </a:schemeClr>
+              </a:solidFill>
+            </a:ln>
+          </p:spPr>
+          <p:style>
+            <a:lnRef idx="1">
+              <a:schemeClr val="accent1"/>
+            </a:lnRef>
+            <a:fillRef idx="0">
+              <a:schemeClr val="accent1"/>
+            </a:fillRef>
+            <a:effectRef idx="0">
+              <a:schemeClr val="accent1"/>
+            </a:effectRef>
+            <a:fontRef idx="minor">
+              <a:schemeClr val="tx1"/>
+            </a:fontRef>
+          </p:style>
+        </p:cxnSp>
+        <p:cxnSp>
+          <p:nvCxnSpPr>
+            <p:cNvPr id="18" name="Conector reto 17"/>
+            <p:cNvCxnSpPr/>
+            <p:nvPr/>
+          </p:nvCxnSpPr>
+          <p:spPr>
+            <a:xfrm flipH="1">
+              <a:off x="5411081" y="5728083"/>
+              <a:ext cx="1697832" cy="59"/>
+            </a:xfrm>
+            <a:prstGeom prst="line">
+              <a:avLst/>
+            </a:prstGeom>
+            <a:ln>
+              <a:solidFill>
+                <a:schemeClr val="bg1">
+                  <a:lumMod val="50000"/>
+                </a:schemeClr>
+              </a:solidFill>
+            </a:ln>
+          </p:spPr>
+          <p:style>
+            <a:lnRef idx="1">
+              <a:schemeClr val="accent1"/>
+            </a:lnRef>
+            <a:fillRef idx="0">
+              <a:schemeClr val="accent1"/>
+            </a:fillRef>
+            <a:effectRef idx="0">
+              <a:schemeClr val="accent1"/>
+            </a:effectRef>
+            <a:fontRef idx="minor">
+              <a:schemeClr val="tx1"/>
+            </a:fontRef>
+          </p:style>
+        </p:cxnSp>
+        <p:sp>
+          <p:nvSpPr>
+            <p:cNvPr id="20" name="Rectangle 2"/>
+            <p:cNvSpPr>
+              <a:spLocks noChangeArrowheads="1"/>
+            </p:cNvSpPr>
+            <p:nvPr/>
+          </p:nvSpPr>
+          <p:spPr bwMode="auto">
+            <a:xfrm>
+              <a:off x="4646920" y="3823740"/>
+              <a:ext cx="1589535" cy="276999"/>
+            </a:xfrm>
+            <a:prstGeom prst="rect">
+              <a:avLst/>
+            </a:prstGeom>
+            <a:solidFill>
+              <a:srgbClr val="FFFFFF"/>
+            </a:solidFill>
+            <a:ln>
+              <a:noFill/>
+            </a:ln>
+            <a:effectLst/>
+            <a:extLst>
+              <a:ext uri="{91240B29-F687-4F45-9708-019B960494DF}">
+                <a14:hiddenLine xmlns:a14="http://schemas.microsoft.com/office/drawing/2010/main" w="9525">
+                  <a:solidFill>
+                    <a:schemeClr val="tx1"/>
+                  </a:solidFill>
+                  <a:miter lim="800000"/>
+                  <a:headEnd/>
+                  <a:tailEnd/>
+                </a14:hiddenLine>
+              </a:ext>
+              <a:ext uri="{AF507438-7753-43E0-B8FC-AC1667EBCBE1}">
+                <a14:hiddenEffects xmlns:a14="http://schemas.microsoft.com/office/drawing/2010/main">
+                  <a:effectLst>
+                    <a:outerShdw dist="35921" dir="2700000" algn="ctr" rotWithShape="0">
+                      <a:schemeClr val="bg2"/>
+                    </a:outerShdw>
+                  </a:effectLst>
+                </a14:hiddenEffects>
+              </a:ext>
+            </a:extLst>
+          </p:spPr>
+          <p:txBody>
+            <a:bodyPr vert="horz" wrap="square" lIns="0" tIns="0" rIns="0" bIns="0" numCol="1" anchor="ctr" anchorCtr="0" compatLnSpc="1">
+              <a:prstTxWarp prst="textNoShape">
+                <a:avLst/>
+              </a:prstTxWarp>
+              <a:spAutoFit/>
+            </a:bodyPr>
+            <a:lstStyle/>
+            <a:p>
+              <a:pPr marL="0" marR="0" lvl="0" indent="0" algn="l" defTabSz="914400" rtl="0" eaLnBrk="0" fontAlgn="base" latinLnBrk="0" hangingPunct="0">
+                <a:lnSpc>
+                  <a:spcPct val="100000"/>
+                </a:lnSpc>
+                <a:spcBef>
+                  <a:spcPct val="0"/>
+                </a:spcBef>
+                <a:spcAft>
+                  <a:spcPct val="0"/>
+                </a:spcAft>
+                <a:buClrTx/>
+                <a:buSzTx/>
+                <a:buFontTx/>
+                <a:buNone/>
+                <a:tabLst/>
+              </a:pPr>
+              <a:r>
+                <a:rPr lang="pt-BR" altLang="pt-BR" sz="900" dirty="0">
+                  <a:solidFill>
+                    <a:schemeClr val="bg1">
+                      <a:lumMod val="50000"/>
+                    </a:schemeClr>
+                  </a:solidFill>
+                  <a:latin typeface="Arial" panose="020B0604020202020204" pitchFamily="34" charset="0"/>
+                  <a:cs typeface="Arial" panose="020B0604020202020204" pitchFamily="34" charset="0"/>
+                </a:rPr>
+                <a:t>Se o voto não fosse obrigatório, </a:t>
+              </a:r>
+              <a:r>
+                <a:rPr lang="pt-BR" altLang="pt-BR" sz="900" dirty="0" smtClean="0">
+                  <a:solidFill>
+                    <a:schemeClr val="bg1">
+                      <a:lumMod val="50000"/>
+                    </a:schemeClr>
+                  </a:solidFill>
+                  <a:latin typeface="Arial" panose="020B0604020202020204" pitchFamily="34" charset="0"/>
+                  <a:cs typeface="Arial" panose="020B0604020202020204" pitchFamily="34" charset="0"/>
+                </a:rPr>
+                <a:t>o </a:t>
+              </a:r>
+              <a:r>
+                <a:rPr lang="pt-BR" altLang="pt-BR" sz="900" dirty="0" err="1" smtClean="0">
+                  <a:solidFill>
+                    <a:schemeClr val="bg1">
+                      <a:lumMod val="50000"/>
+                    </a:schemeClr>
+                  </a:solidFill>
+                  <a:latin typeface="Arial" panose="020B0604020202020204" pitchFamily="34" charset="0"/>
+                  <a:cs typeface="Arial" panose="020B0604020202020204" pitchFamily="34" charset="0"/>
+                </a:rPr>
+                <a:t>sr</a:t>
+              </a:r>
+              <a:r>
+                <a:rPr lang="pt-BR" altLang="pt-BR" sz="900" dirty="0" smtClean="0">
+                  <a:solidFill>
+                    <a:schemeClr val="bg1">
+                      <a:lumMod val="50000"/>
+                    </a:schemeClr>
+                  </a:solidFill>
+                  <a:latin typeface="Arial" panose="020B0604020202020204" pitchFamily="34" charset="0"/>
+                  <a:cs typeface="Arial" panose="020B0604020202020204" pitchFamily="34" charset="0"/>
+                </a:rPr>
+                <a:t> teria votado? </a:t>
+              </a:r>
+              <a:endParaRPr lang="pt-BR" altLang="pt-BR" sz="900" dirty="0">
+                <a:solidFill>
+                  <a:schemeClr val="bg1">
+                    <a:lumMod val="50000"/>
+                  </a:schemeClr>
+                </a:solidFill>
+                <a:latin typeface="Arial" panose="020B0604020202020204" pitchFamily="34" charset="0"/>
+                <a:cs typeface="Arial" panose="020B0604020202020204" pitchFamily="34" charset="0"/>
+              </a:endParaRPr>
+            </a:p>
+          </p:txBody>
+        </p:sp>
+        <p:sp>
+          <p:nvSpPr>
+            <p:cNvPr id="27" name="Rectangle 4"/>
+            <p:cNvSpPr>
+              <a:spLocks noChangeArrowheads="1"/>
+            </p:cNvSpPr>
+            <p:nvPr/>
+          </p:nvSpPr>
+          <p:spPr bwMode="auto">
+            <a:xfrm>
+              <a:off x="5042342" y="2815784"/>
+              <a:ext cx="1214961" cy="276999"/>
+            </a:xfrm>
+            <a:prstGeom prst="rect">
+              <a:avLst/>
+            </a:prstGeom>
+            <a:solidFill>
+              <a:srgbClr val="FFFFFF"/>
+            </a:solidFill>
+            <a:ln>
+              <a:noFill/>
+            </a:ln>
+            <a:effectLst/>
+            <a:extLst>
+              <a:ext uri="{91240B29-F687-4F45-9708-019B960494DF}">
+                <a14:hiddenLine xmlns:a14="http://schemas.microsoft.com/office/drawing/2010/main" w="9525">
+                  <a:solidFill>
+                    <a:schemeClr val="tx1"/>
+                  </a:solidFill>
+                  <a:miter lim="800000"/>
+                  <a:headEnd/>
+                  <a:tailEnd/>
+                </a14:hiddenLine>
+              </a:ext>
+              <a:ext uri="{AF507438-7753-43E0-B8FC-AC1667EBCBE1}">
+                <a14:hiddenEffects xmlns:a14="http://schemas.microsoft.com/office/drawing/2010/main">
+                  <a:effectLst>
+                    <a:outerShdw dist="35921" dir="2700000" algn="ctr" rotWithShape="0">
+                      <a:schemeClr val="bg2"/>
+                    </a:outerShdw>
+                  </a:effectLst>
+                </a14:hiddenEffects>
+              </a:ext>
+            </a:extLst>
+          </p:spPr>
+          <p:txBody>
+            <a:bodyPr vert="horz" wrap="square" lIns="0" tIns="0" rIns="0" bIns="0" numCol="1" anchor="ctr" anchorCtr="0" compatLnSpc="1">
+              <a:prstTxWarp prst="textNoShape">
+                <a:avLst/>
+              </a:prstTxWarp>
+              <a:spAutoFit/>
+            </a:bodyPr>
+            <a:lstStyle/>
+            <a:p>
+              <a:pPr marL="0" marR="0" lvl="0" indent="0" algn="l" defTabSz="914400" rtl="0" eaLnBrk="0" fontAlgn="base" latinLnBrk="0" hangingPunct="0">
+                <a:lnSpc>
+                  <a:spcPct val="100000"/>
+                </a:lnSpc>
+                <a:spcBef>
+                  <a:spcPct val="0"/>
+                </a:spcBef>
+                <a:spcAft>
+                  <a:spcPct val="0"/>
+                </a:spcAft>
+                <a:buClrTx/>
+                <a:buSzTx/>
+                <a:buFontTx/>
+                <a:buNone/>
+                <a:tabLst/>
+              </a:pPr>
+              <a:r>
+                <a:rPr lang="pt-BR" altLang="pt-BR" sz="900" dirty="0" smtClean="0">
+                  <a:solidFill>
+                    <a:schemeClr val="bg1">
+                      <a:lumMod val="50000"/>
+                    </a:schemeClr>
+                  </a:solidFill>
+                  <a:latin typeface="Arial" panose="020B0604020202020204" pitchFamily="34" charset="0"/>
+                  <a:cs typeface="Arial" panose="020B0604020202020204" pitchFamily="34" charset="0"/>
+                </a:rPr>
+                <a:t>Grau </a:t>
+              </a:r>
+              <a:r>
+                <a:rPr lang="pt-BR" altLang="pt-BR" sz="900" dirty="0">
+                  <a:solidFill>
+                    <a:schemeClr val="bg1">
+                      <a:lumMod val="50000"/>
+                    </a:schemeClr>
+                  </a:solidFill>
+                  <a:latin typeface="Arial" panose="020B0604020202020204" pitchFamily="34" charset="0"/>
+                  <a:cs typeface="Arial" panose="020B0604020202020204" pitchFamily="34" charset="0"/>
+                </a:rPr>
+                <a:t>de confiança </a:t>
+              </a:r>
+              <a:r>
+                <a:rPr lang="pt-BR" altLang="pt-BR" sz="900" dirty="0" smtClean="0">
+                  <a:solidFill>
+                    <a:schemeClr val="bg1">
+                      <a:lumMod val="50000"/>
+                    </a:schemeClr>
+                  </a:solidFill>
+                  <a:latin typeface="Arial" panose="020B0604020202020204" pitchFamily="34" charset="0"/>
+                  <a:cs typeface="Arial" panose="020B0604020202020204" pitchFamily="34" charset="0"/>
+                </a:rPr>
+                <a:t>na urna </a:t>
+              </a:r>
+              <a:r>
+                <a:rPr lang="pt-BR" altLang="pt-BR" sz="900" dirty="0">
+                  <a:solidFill>
+                    <a:schemeClr val="bg1">
+                      <a:lumMod val="50000"/>
+                    </a:schemeClr>
+                  </a:solidFill>
+                  <a:latin typeface="Arial" panose="020B0604020202020204" pitchFamily="34" charset="0"/>
+                  <a:cs typeface="Arial" panose="020B0604020202020204" pitchFamily="34" charset="0"/>
+                </a:rPr>
+                <a:t>eletrônica </a:t>
+              </a:r>
+            </a:p>
+          </p:txBody>
+        </p:sp>
+        <p:sp>
+          <p:nvSpPr>
+            <p:cNvPr id="28" name="Rectangle 5"/>
+            <p:cNvSpPr>
+              <a:spLocks noChangeArrowheads="1"/>
+            </p:cNvSpPr>
+            <p:nvPr/>
+          </p:nvSpPr>
+          <p:spPr bwMode="auto">
+            <a:xfrm>
+              <a:off x="4839279" y="4951949"/>
+              <a:ext cx="1073150" cy="276999"/>
+            </a:xfrm>
+            <a:prstGeom prst="rect">
+              <a:avLst/>
+            </a:prstGeom>
+            <a:solidFill>
+              <a:srgbClr val="FFFFFF"/>
+            </a:solidFill>
+            <a:ln>
+              <a:noFill/>
+            </a:ln>
+            <a:effectLst/>
+            <a:extLst>
+              <a:ext uri="{91240B29-F687-4F45-9708-019B960494DF}">
+                <a14:hiddenLine xmlns:a14="http://schemas.microsoft.com/office/drawing/2010/main" w="9525">
+                  <a:solidFill>
+                    <a:schemeClr val="tx1"/>
+                  </a:solidFill>
+                  <a:miter lim="800000"/>
+                  <a:headEnd/>
+                  <a:tailEnd/>
+                </a14:hiddenLine>
+              </a:ext>
+              <a:ext uri="{AF507438-7753-43E0-B8FC-AC1667EBCBE1}">
+                <a14:hiddenEffects xmlns:a14="http://schemas.microsoft.com/office/drawing/2010/main">
+                  <a:effectLst>
+                    <a:outerShdw dist="35921" dir="2700000" algn="ctr" rotWithShape="0">
+                      <a:schemeClr val="bg2"/>
+                    </a:outerShdw>
+                  </a:effectLst>
+                </a14:hiddenEffects>
+              </a:ext>
+            </a:extLst>
+          </p:spPr>
+          <p:txBody>
+            <a:bodyPr vert="horz" wrap="square" lIns="0" tIns="0" rIns="0" bIns="0" numCol="1" anchor="ctr" anchorCtr="0" compatLnSpc="1">
+              <a:prstTxWarp prst="textNoShape">
+                <a:avLst/>
+              </a:prstTxWarp>
+              <a:spAutoFit/>
+            </a:bodyPr>
+            <a:lstStyle/>
+            <a:p>
+              <a:pPr marL="0" marR="0" lvl="0" indent="0" algn="l" defTabSz="914400" rtl="0" eaLnBrk="0" fontAlgn="base" latinLnBrk="0" hangingPunct="0">
+                <a:lnSpc>
+                  <a:spcPct val="100000"/>
+                </a:lnSpc>
+                <a:spcBef>
+                  <a:spcPct val="0"/>
+                </a:spcBef>
+                <a:spcAft>
+                  <a:spcPct val="0"/>
+                </a:spcAft>
+                <a:buClrTx/>
+                <a:buSzTx/>
+                <a:buFontTx/>
+                <a:buNone/>
+                <a:tabLst/>
+              </a:pPr>
+              <a:r>
+                <a:rPr lang="pt-BR" altLang="pt-BR" sz="900" dirty="0" smtClean="0">
+                  <a:solidFill>
+                    <a:schemeClr val="bg1">
+                      <a:lumMod val="50000"/>
+                    </a:schemeClr>
+                  </a:solidFill>
+                  <a:latin typeface="Arial" panose="020B0604020202020204" pitchFamily="34" charset="0"/>
+                  <a:cs typeface="Arial" panose="020B0604020202020204" pitchFamily="34" charset="0"/>
+                </a:rPr>
+                <a:t>Grau </a:t>
+              </a:r>
+              <a:r>
+                <a:rPr lang="pt-BR" altLang="pt-BR" sz="900" dirty="0">
+                  <a:solidFill>
+                    <a:schemeClr val="bg1">
+                      <a:lumMod val="50000"/>
+                    </a:schemeClr>
+                  </a:solidFill>
+                  <a:latin typeface="Arial" panose="020B0604020202020204" pitchFamily="34" charset="0"/>
+                  <a:cs typeface="Arial" panose="020B0604020202020204" pitchFamily="34" charset="0"/>
+                </a:rPr>
+                <a:t>de importância do voto </a:t>
+              </a:r>
+            </a:p>
+          </p:txBody>
+        </p:sp>
+        <p:cxnSp>
+          <p:nvCxnSpPr>
+            <p:cNvPr id="29" name="Conector reto 28"/>
+            <p:cNvCxnSpPr/>
+            <p:nvPr/>
+          </p:nvCxnSpPr>
+          <p:spPr>
+            <a:xfrm flipH="1">
+              <a:off x="5375854" y="4410007"/>
+              <a:ext cx="1697832" cy="59"/>
+            </a:xfrm>
+            <a:prstGeom prst="line">
+              <a:avLst/>
+            </a:prstGeom>
+            <a:ln>
+              <a:solidFill>
+                <a:schemeClr val="bg1">
+                  <a:lumMod val="50000"/>
+                </a:schemeClr>
+              </a:solidFill>
+            </a:ln>
+          </p:spPr>
+          <p:style>
+            <a:lnRef idx="1">
+              <a:schemeClr val="accent1"/>
+            </a:lnRef>
+            <a:fillRef idx="0">
+              <a:schemeClr val="accent1"/>
+            </a:fillRef>
+            <a:effectRef idx="0">
+              <a:schemeClr val="accent1"/>
+            </a:effectRef>
+            <a:fontRef idx="minor">
+              <a:schemeClr val="tx1"/>
+            </a:fontRef>
+          </p:style>
+        </p:cxnSp>
+        <p:sp>
+          <p:nvSpPr>
+            <p:cNvPr id="44" name="Retângulo 43"/>
+            <p:cNvSpPr/>
+            <p:nvPr/>
+          </p:nvSpPr>
+          <p:spPr>
+            <a:xfrm>
+              <a:off x="6447562" y="5848119"/>
+              <a:ext cx="290252" cy="154012"/>
+            </a:xfrm>
+            <a:prstGeom prst="rect">
+              <a:avLst/>
+            </a:prstGeom>
+            <a:solidFill>
+              <a:schemeClr val="bg1"/>
+            </a:solidFill>
+            <a:ln>
+              <a:noFill/>
+            </a:ln>
+          </p:spPr>
+          <p:style>
+            <a:lnRef idx="2">
+              <a:schemeClr val="accent1">
+                <a:shade val="50000"/>
+              </a:schemeClr>
+            </a:lnRef>
+            <a:fillRef idx="1">
+              <a:schemeClr val="accent1"/>
+            </a:fillRef>
+            <a:effectRef idx="0">
+              <a:schemeClr val="accent1"/>
+            </a:effectRef>
+            <a:fontRef idx="minor">
+              <a:schemeClr val="lt1"/>
+            </a:fontRef>
+          </p:style>
+          <p:txBody>
+            <a:bodyPr rtlCol="0" anchor="ctr"/>
+            <a:lstStyle/>
+            <a:p>
+              <a:pPr algn="ctr"/>
+              <a:endParaRPr lang="pt-BR"/>
+            </a:p>
+          </p:txBody>
+        </p:sp>
+      </p:grpSp>
+    </p:spTree>
+    <p:extLst>
+      <p:ext uri="{BB962C8B-B14F-4D97-AF65-F5344CB8AC3E}">
+        <p14:creationId xmlns:p14="http://schemas.microsoft.com/office/powerpoint/2010/main" val="1670583137"/>
+      </p:ext>
+    </p:extLst>
+  </p:cSld>
+  <p:clrMapOvr>
+    <a:masterClrMapping/>
+  </p:clrMapOvr>
+</p:sld>
+</file>
+
 <file path=ppt/theme/theme1.xml><?xml version="1.0" encoding="utf-8"?>
 <a:theme xmlns:a="http://schemas.openxmlformats.org/drawingml/2006/main" name="Tema do Office">
   <a:themeElements>
